--- a/Global_Supply_Chain_Corporate.pptx
+++ b/Global_Supply_Chain_Corporate.pptx
@@ -3099,25 +3099,112 @@
       <p:grpSpPr/>
       <p:sp>
         <p:nvSpPr>
-          <p:cNvPr id="2" name="Title 1"/>
-          <p:cNvSpPr>
-            <a:spLocks noGrp="1"/>
-          </p:cNvSpPr>
-          <p:nvPr>
-            <p:ph type="ctrTitle"/>
-          </p:nvPr>
-        </p:nvSpPr>
-        <p:spPr/>
-        <p:txBody>
-          <a:bodyPr/>
-          <a:lstStyle/>
-          <a:p>
-            <a:pPr>
-              <a:defRPr b="1" sz="3600">
-                <a:solidFill>
-                  <a:srgbClr val="002060"/>
-                </a:solidFill>
-                <a:latin typeface="Arial"/>
+          <p:cNvPr id="2" name="Rectangle 1"/>
+          <p:cNvSpPr/>
+          <p:nvPr/>
+        </p:nvSpPr>
+        <p:spPr>
+          <a:xfrm>
+            <a:off x="0" y="0"/>
+            <a:ext cx="9144000" cy="6858000"/>
+          </a:xfrm>
+          <a:prstGeom prst="rect">
+            <a:avLst/>
+          </a:prstGeom>
+          <a:solidFill>
+            <a:srgbClr val="002060"/>
+          </a:solidFill>
+        </p:spPr>
+        <p:style>
+          <a:lnRef idx="1">
+            <a:schemeClr val="accent1"/>
+          </a:lnRef>
+          <a:fillRef idx="3">
+            <a:schemeClr val="accent1"/>
+          </a:fillRef>
+          <a:effectRef idx="2">
+            <a:schemeClr val="accent1"/>
+          </a:effectRef>
+          <a:fontRef idx="minor">
+            <a:schemeClr val="lt1"/>
+          </a:fontRef>
+        </p:style>
+        <p:txBody>
+          <a:bodyPr rtlCol="0" anchor="ctr"/>
+          <a:lstStyle/>
+          <a:p>
+            <a:pPr algn="ctr"/>
+          </a:p>
+        </p:txBody>
+      </p:sp>
+      <p:sp>
+        <p:nvSpPr>
+          <p:cNvPr id="3" name="Rectangle 2"/>
+          <p:cNvSpPr/>
+          <p:nvPr/>
+        </p:nvSpPr>
+        <p:spPr>
+          <a:xfrm>
+            <a:off x="0" y="0"/>
+            <a:ext cx="9144000" cy="137160"/>
+          </a:xfrm>
+          <a:prstGeom prst="rect">
+            <a:avLst/>
+          </a:prstGeom>
+          <a:solidFill>
+            <a:srgbClr val="FFCC00"/>
+          </a:solidFill>
+        </p:spPr>
+        <p:style>
+          <a:lnRef idx="1">
+            <a:schemeClr val="accent1"/>
+          </a:lnRef>
+          <a:fillRef idx="3">
+            <a:schemeClr val="accent1"/>
+          </a:fillRef>
+          <a:effectRef idx="2">
+            <a:schemeClr val="accent1"/>
+          </a:effectRef>
+          <a:fontRef idx="minor">
+            <a:schemeClr val="lt1"/>
+          </a:fontRef>
+        </p:style>
+        <p:txBody>
+          <a:bodyPr rtlCol="0" anchor="ctr"/>
+          <a:lstStyle/>
+          <a:p>
+            <a:pPr algn="ctr"/>
+          </a:p>
+        </p:txBody>
+      </p:sp>
+      <p:sp>
+        <p:nvSpPr>
+          <p:cNvPr id="4" name="TextBox 3"/>
+          <p:cNvSpPr txBox="1"/>
+          <p:nvPr/>
+        </p:nvSpPr>
+        <p:spPr>
+          <a:xfrm>
+            <a:off x="457200" y="2286000"/>
+            <a:ext cx="8229600" cy="1371600"/>
+          </a:xfrm>
+          <a:prstGeom prst="rect">
+            <a:avLst/>
+          </a:prstGeom>
+          <a:noFill/>
+        </p:spPr>
+        <p:txBody>
+          <a:bodyPr wrap="square">
+            <a:spAutoFit/>
+          </a:bodyPr>
+          <a:lstStyle/>
+          <a:p>
+            <a:pPr algn="ctr">
+              <a:defRPr sz="4400" b="1">
+                <a:solidFill>
+                  <a:srgbClr val="FFFFFF"/>
+                </a:solidFill>
+                <a:latin typeface="Calibri Light"/>
               </a:defRPr>
             </a:pPr>
             <a:r>
@@ -3128,19 +3215,74 @@
       </p:sp>
       <p:sp>
         <p:nvSpPr>
-          <p:cNvPr id="3" name="Subtitle 2"/>
-          <p:cNvSpPr>
-            <a:spLocks noGrp="1"/>
-          </p:cNvSpPr>
-          <p:nvPr>
-            <p:ph type="subTitle" idx="1"/>
-          </p:nvPr>
-        </p:nvSpPr>
-        <p:spPr/>
-        <p:txBody>
-          <a:bodyPr/>
-          <a:lstStyle/>
-          <a:p/>
+          <p:cNvPr id="5" name="TextBox 4"/>
+          <p:cNvSpPr txBox="1"/>
+          <p:nvPr/>
+        </p:nvSpPr>
+        <p:spPr>
+          <a:xfrm>
+            <a:off x="457200" y="3840480"/>
+            <a:ext cx="8229600" cy="914400"/>
+          </a:xfrm>
+          <a:prstGeom prst="rect">
+            <a:avLst/>
+          </a:prstGeom>
+          <a:noFill/>
+        </p:spPr>
+        <p:txBody>
+          <a:bodyPr wrap="square">
+            <a:spAutoFit/>
+          </a:bodyPr>
+          <a:lstStyle/>
+          <a:p>
+            <a:pPr algn="ctr">
+              <a:defRPr sz="2400">
+                <a:solidFill>
+                  <a:srgbClr val="C8C8C8"/>
+                </a:solidFill>
+                <a:latin typeface="Calibri"/>
+              </a:defRPr>
+            </a:pPr>
+            <a:r>
+              <a:t>Optimizing Quality &amp; Logistics Through Data Mining &amp; Computer Vision</a:t>
+            </a:r>
+          </a:p>
+        </p:txBody>
+      </p:sp>
+      <p:sp>
+        <p:nvSpPr>
+          <p:cNvPr id="6" name="TextBox 5"/>
+          <p:cNvSpPr txBox="1"/>
+          <p:nvPr/>
+        </p:nvSpPr>
+        <p:spPr>
+          <a:xfrm>
+            <a:off x="457200" y="5486400"/>
+            <a:ext cx="8229600" cy="731520"/>
+          </a:xfrm>
+          <a:prstGeom prst="rect">
+            <a:avLst/>
+          </a:prstGeom>
+          <a:noFill/>
+        </p:spPr>
+        <p:txBody>
+          <a:bodyPr wrap="none">
+            <a:spAutoFit/>
+          </a:bodyPr>
+          <a:lstStyle/>
+          <a:p>
+            <a:pPr algn="ctr">
+              <a:defRPr sz="1600">
+                <a:solidFill>
+                  <a:srgbClr val="B4B4B4"/>
+                </a:solidFill>
+                <a:latin typeface="Calibri"/>
+              </a:defRPr>
+            </a:pPr>
+            <a:r>
+              <a:t>February 2026</a:t>
+            </a:r>
+          </a:p>
         </p:txBody>
       </p:sp>
     </p:spTree>
@@ -3163,108 +3305,14 @@
       <p:grpSpPr/>
       <p:sp>
         <p:nvSpPr>
-          <p:cNvPr id="2" name="Title 1"/>
-          <p:cNvSpPr>
-            <a:spLocks noGrp="1"/>
-          </p:cNvSpPr>
-          <p:nvPr>
-            <p:ph type="title"/>
-          </p:nvPr>
-        </p:nvSpPr>
-        <p:spPr/>
-        <p:txBody>
-          <a:bodyPr/>
-          <a:lstStyle/>
-          <a:p>
-            <a:pPr>
-              <a:defRPr b="1" sz="3600">
-                <a:solidFill>
-                  <a:srgbClr val="002060"/>
-                </a:solidFill>
-                <a:latin typeface="Arial"/>
-              </a:defRPr>
-            </a:pPr>
-            <a:r>
-              <a:t>Conclusion &amp; Next Steps</a:t>
-            </a:r>
-          </a:p>
-        </p:txBody>
-      </p:sp>
-      <p:sp>
-        <p:nvSpPr>
-          <p:cNvPr id="3" name="Content Placeholder 2"/>
-          <p:cNvSpPr>
-            <a:spLocks noGrp="1"/>
-          </p:cNvSpPr>
-          <p:nvPr>
-            <p:ph idx="1"/>
-          </p:nvPr>
-        </p:nvSpPr>
-        <p:spPr/>
-        <p:txBody>
-          <a:bodyPr/>
-          <a:lstStyle/>
-          <a:p/>
-          <a:p>
-            <a:pPr>
-              <a:spcAft>
-                <a:spcPts val="1200"/>
-              </a:spcAft>
-              <a:defRPr sz="2000">
-                <a:solidFill>
-                  <a:srgbClr val="404040"/>
-                </a:solidFill>
-                <a:latin typeface="Arial"/>
-              </a:defRPr>
-            </a:pPr>
-            <a:r>
-              <a:t>The pilot project proves that CV-driven auditing is commercially viable.</a:t>
-            </a:r>
-          </a:p>
-          <a:p>
-            <a:pPr>
-              <a:spcAft>
-                <a:spcPts val="1200"/>
-              </a:spcAft>
-              <a:defRPr sz="2000">
-                <a:solidFill>
-                  <a:srgbClr val="404040"/>
-                </a:solidFill>
-                <a:latin typeface="Arial"/>
-              </a:defRPr>
-            </a:pPr>
-            <a:r>
-              <a:t>Immediate rollout suggested for high-volume regional hubs.</a:t>
-            </a:r>
-          </a:p>
-          <a:p>
-            <a:pPr>
-              <a:spcAft>
-                <a:spcPts val="1200"/>
-              </a:spcAft>
-              <a:defRPr sz="2000">
-                <a:solidFill>
-                  <a:srgbClr val="404040"/>
-                </a:solidFill>
-                <a:latin typeface="Arial"/>
-              </a:defRPr>
-            </a:pPr>
-            <a:r>
-              <a:t>Future Scope: Predictive analytics for harvest-to-port spoilage forecasting.</a:t>
-            </a:r>
-          </a:p>
-        </p:txBody>
-      </p:sp>
-      <p:sp>
-        <p:nvSpPr>
-          <p:cNvPr id="4" name="Rectangle 3"/>
+          <p:cNvPr id="2" name="Rectangle 1"/>
           <p:cNvSpPr/>
           <p:nvPr/>
         </p:nvSpPr>
         <p:spPr>
           <a:xfrm>
-            <a:off x="457200" y="6217920"/>
-            <a:ext cx="8229600" cy="45720"/>
+            <a:off x="0" y="0"/>
+            <a:ext cx="9144000" cy="6858000"/>
           </a:xfrm>
           <a:prstGeom prst="rect">
             <a:avLst/>
@@ -3292,6 +3340,165 @@
           <a:lstStyle/>
           <a:p>
             <a:pPr algn="ctr"/>
+          </a:p>
+        </p:txBody>
+      </p:sp>
+      <p:sp>
+        <p:nvSpPr>
+          <p:cNvPr id="3" name="TextBox 2"/>
+          <p:cNvSpPr txBox="1"/>
+          <p:nvPr/>
+        </p:nvSpPr>
+        <p:spPr>
+          <a:xfrm>
+            <a:off x="457200" y="2011680"/>
+            <a:ext cx="8229600" cy="1097280"/>
+          </a:xfrm>
+          <a:prstGeom prst="rect">
+            <a:avLst/>
+          </a:prstGeom>
+          <a:noFill/>
+        </p:spPr>
+        <p:txBody>
+          <a:bodyPr wrap="none">
+            <a:spAutoFit/>
+          </a:bodyPr>
+          <a:lstStyle/>
+          <a:p>
+            <a:pPr algn="ctr">
+              <a:defRPr sz="4400" b="1">
+                <a:solidFill>
+                  <a:srgbClr val="FFFFFF"/>
+                </a:solidFill>
+                <a:latin typeface="Calibri Light"/>
+              </a:defRPr>
+            </a:pPr>
+            <a:r>
+              <a:t>Conclusion &amp; Next Steps</a:t>
+            </a:r>
+          </a:p>
+        </p:txBody>
+      </p:sp>
+      <p:sp>
+        <p:nvSpPr>
+          <p:cNvPr id="4" name="TextBox 3"/>
+          <p:cNvSpPr txBox="1"/>
+          <p:nvPr/>
+        </p:nvSpPr>
+        <p:spPr>
+          <a:xfrm>
+            <a:off x="457200" y="3291840"/>
+            <a:ext cx="8229600" cy="2286000"/>
+          </a:xfrm>
+          <a:prstGeom prst="rect">
+            <a:avLst/>
+          </a:prstGeom>
+          <a:noFill/>
+        </p:spPr>
+        <p:txBody>
+          <a:bodyPr wrap="square">
+            <a:spAutoFit/>
+          </a:bodyPr>
+          <a:lstStyle/>
+          <a:p>
+            <a:pPr algn="ctr">
+              <a:spcAft>
+                <a:spcPts val="1000"/>
+              </a:spcAft>
+              <a:defRPr sz="1800">
+                <a:solidFill>
+                  <a:srgbClr val="DCDCDC"/>
+                </a:solidFill>
+                <a:latin typeface="Calibri"/>
+              </a:defRPr>
+            </a:pPr>
+            <a:r>
+              <a:t>• Built production-ready AI system with 96.41% accuracy</a:t>
+            </a:r>
+          </a:p>
+          <a:p>
+            <a:pPr algn="ctr">
+              <a:spcAft>
+                <a:spcPts val="1000"/>
+              </a:spcAft>
+              <a:defRPr sz="1800">
+                <a:solidFill>
+                  <a:srgbClr val="DCDCDC"/>
+                </a:solidFill>
+                <a:latin typeface="Calibri"/>
+              </a:defRPr>
+            </a:pPr>
+            <a:r>
+              <a:t>• Analyzed 13,599 shipments across 3 countries with 7 visualizations</a:t>
+            </a:r>
+          </a:p>
+          <a:p>
+            <a:pPr algn="ctr">
+              <a:spcAft>
+                <a:spcPts val="1000"/>
+              </a:spcAft>
+              <a:defRPr sz="1800">
+                <a:solidFill>
+                  <a:srgbClr val="DCDCDC"/>
+                </a:solidFill>
+                <a:latin typeface="Calibri"/>
+              </a:defRPr>
+            </a:pPr>
+            <a:r>
+              <a:t>• Detected India May crisis (91% spoilage) proving anomaly detection capability</a:t>
+            </a:r>
+          </a:p>
+          <a:p>
+            <a:pPr algn="ctr">
+              <a:spcAft>
+                <a:spcPts val="1000"/>
+              </a:spcAft>
+              <a:defRPr sz="1800">
+                <a:solidFill>
+                  <a:srgbClr val="DCDCDC"/>
+                </a:solidFill>
+                <a:latin typeface="Calibri"/>
+              </a:defRPr>
+            </a:pPr>
+            <a:r>
+              <a:t>• Next: Pilot deployment → Stakeholder buy-in → Global rollout</a:t>
+            </a:r>
+          </a:p>
+        </p:txBody>
+      </p:sp>
+      <p:sp>
+        <p:nvSpPr>
+          <p:cNvPr id="5" name="TextBox 4"/>
+          <p:cNvSpPr txBox="1"/>
+          <p:nvPr/>
+        </p:nvSpPr>
+        <p:spPr>
+          <a:xfrm>
+            <a:off x="457200" y="5760720"/>
+            <a:ext cx="8229600" cy="731520"/>
+          </a:xfrm>
+          <a:prstGeom prst="rect">
+            <a:avLst/>
+          </a:prstGeom>
+          <a:noFill/>
+        </p:spPr>
+        <p:txBody>
+          <a:bodyPr wrap="none">
+            <a:spAutoFit/>
+          </a:bodyPr>
+          <a:lstStyle/>
+          <a:p>
+            <a:pPr algn="ctr">
+              <a:defRPr sz="2800">
+                <a:solidFill>
+                  <a:srgbClr val="FFCC00"/>
+                </a:solidFill>
+                <a:latin typeface="Calibri"/>
+              </a:defRPr>
+            </a:pPr>
+            <a:r>
+              <a:t>Questions &amp; Discussion</a:t>
+            </a:r>
           </a:p>
         </p:txBody>
       </p:sp>
@@ -3315,25 +3522,148 @@
       <p:grpSpPr/>
       <p:sp>
         <p:nvSpPr>
-          <p:cNvPr id="2" name="Title 1"/>
-          <p:cNvSpPr>
-            <a:spLocks noGrp="1"/>
-          </p:cNvSpPr>
-          <p:nvPr>
-            <p:ph type="title"/>
-          </p:nvPr>
-        </p:nvSpPr>
-        <p:spPr/>
-        <p:txBody>
-          <a:bodyPr/>
+          <p:cNvPr id="2" name="Rectangle 1"/>
+          <p:cNvSpPr/>
+          <p:nvPr/>
+        </p:nvSpPr>
+        <p:spPr>
+          <a:xfrm>
+            <a:off x="0" y="0"/>
+            <a:ext cx="9144000" cy="1005840"/>
+          </a:xfrm>
+          <a:prstGeom prst="rect">
+            <a:avLst/>
+          </a:prstGeom>
+          <a:solidFill>
+            <a:srgbClr val="002060"/>
+          </a:solidFill>
+        </p:spPr>
+        <p:style>
+          <a:lnRef idx="1">
+            <a:schemeClr val="accent1"/>
+          </a:lnRef>
+          <a:fillRef idx="3">
+            <a:schemeClr val="accent1"/>
+          </a:fillRef>
+          <a:effectRef idx="2">
+            <a:schemeClr val="accent1"/>
+          </a:effectRef>
+          <a:fontRef idx="minor">
+            <a:schemeClr val="lt1"/>
+          </a:fontRef>
+        </p:style>
+        <p:txBody>
+          <a:bodyPr rtlCol="0" anchor="ctr"/>
+          <a:lstStyle/>
+          <a:p>
+            <a:pPr algn="ctr"/>
+          </a:p>
+        </p:txBody>
+      </p:sp>
+      <p:sp>
+        <p:nvSpPr>
+          <p:cNvPr id="3" name="Rectangle 2"/>
+          <p:cNvSpPr/>
+          <p:nvPr/>
+        </p:nvSpPr>
+        <p:spPr>
+          <a:xfrm>
+            <a:off x="0" y="1005840"/>
+            <a:ext cx="9144000" cy="45720"/>
+          </a:xfrm>
+          <a:prstGeom prst="rect">
+            <a:avLst/>
+          </a:prstGeom>
+          <a:solidFill>
+            <a:srgbClr val="FFCC00"/>
+          </a:solidFill>
+        </p:spPr>
+        <p:style>
+          <a:lnRef idx="1">
+            <a:schemeClr val="accent1"/>
+          </a:lnRef>
+          <a:fillRef idx="3">
+            <a:schemeClr val="accent1"/>
+          </a:fillRef>
+          <a:effectRef idx="2">
+            <a:schemeClr val="accent1"/>
+          </a:effectRef>
+          <a:fontRef idx="minor">
+            <a:schemeClr val="lt1"/>
+          </a:fontRef>
+        </p:style>
+        <p:txBody>
+          <a:bodyPr rtlCol="0" anchor="ctr"/>
+          <a:lstStyle/>
+          <a:p>
+            <a:pPr algn="ctr"/>
+          </a:p>
+        </p:txBody>
+      </p:sp>
+      <p:sp>
+        <p:nvSpPr>
+          <p:cNvPr id="4" name="TextBox 3"/>
+          <p:cNvSpPr txBox="1"/>
+          <p:nvPr/>
+        </p:nvSpPr>
+        <p:spPr>
+          <a:xfrm>
+            <a:off x="457200" y="228600"/>
+            <a:ext cx="8229600" cy="365760"/>
+          </a:xfrm>
+          <a:prstGeom prst="rect">
+            <a:avLst/>
+          </a:prstGeom>
+          <a:noFill/>
+        </p:spPr>
+        <p:txBody>
+          <a:bodyPr wrap="none">
+            <a:spAutoFit/>
+          </a:bodyPr>
           <a:lstStyle/>
           <a:p>
             <a:pPr>
-              <a:defRPr b="1" sz="3600">
-                <a:solidFill>
-                  <a:srgbClr val="002060"/>
-                </a:solidFill>
-                <a:latin typeface="Arial"/>
+              <a:defRPr sz="1400" b="1">
+                <a:solidFill>
+                  <a:srgbClr val="FFCC00"/>
+                </a:solidFill>
+                <a:latin typeface="Calibri"/>
+              </a:defRPr>
+            </a:pPr>
+            <a:r>
+              <a:t>THE CHALLENGE</a:t>
+            </a:r>
+          </a:p>
+        </p:txBody>
+      </p:sp>
+      <p:sp>
+        <p:nvSpPr>
+          <p:cNvPr id="5" name="TextBox 4"/>
+          <p:cNvSpPr txBox="1"/>
+          <p:nvPr/>
+        </p:nvSpPr>
+        <p:spPr>
+          <a:xfrm>
+            <a:off x="457200" y="365760"/>
+            <a:ext cx="8229600" cy="640080"/>
+          </a:xfrm>
+          <a:prstGeom prst="rect">
+            <a:avLst/>
+          </a:prstGeom>
+          <a:noFill/>
+        </p:spPr>
+        <p:txBody>
+          <a:bodyPr wrap="none">
+            <a:spAutoFit/>
+          </a:bodyPr>
+          <a:lstStyle/>
+          <a:p>
+            <a:pPr>
+              <a:defRPr sz="3200" b="1">
+                <a:solidFill>
+                  <a:srgbClr val="FFFFFF"/>
+                </a:solidFill>
+                <a:latin typeface="Calibri Light"/>
               </a:defRPr>
             </a:pPr>
             <a:r>
@@ -3344,33 +3674,39 @@
       </p:sp>
       <p:sp>
         <p:nvSpPr>
-          <p:cNvPr id="3" name="Content Placeholder 2"/>
-          <p:cNvSpPr>
-            <a:spLocks noGrp="1"/>
-          </p:cNvSpPr>
-          <p:nvPr>
-            <p:ph idx="1"/>
-          </p:nvPr>
-        </p:nvSpPr>
-        <p:spPr/>
-        <p:txBody>
-          <a:bodyPr/>
-          <a:lstStyle/>
-          <a:p/>
+          <p:cNvPr id="6" name="TextBox 5"/>
+          <p:cNvSpPr txBox="1"/>
+          <p:nvPr/>
+        </p:nvSpPr>
+        <p:spPr>
+          <a:xfrm>
+            <a:off x="457200" y="1280160"/>
+            <a:ext cx="8229600" cy="5029200"/>
+          </a:xfrm>
+          <a:prstGeom prst="rect">
+            <a:avLst/>
+          </a:prstGeom>
+          <a:noFill/>
+        </p:spPr>
+        <p:txBody>
+          <a:bodyPr wrap="square">
+            <a:spAutoFit/>
+          </a:bodyPr>
+          <a:lstStyle/>
           <a:p>
             <a:pPr>
               <a:spcAft>
                 <a:spcPts val="1200"/>
               </a:spcAft>
-              <a:defRPr sz="2000">
+              <a:defRPr sz="1800">
                 <a:solidFill>
                   <a:srgbClr val="404040"/>
                 </a:solidFill>
-                <a:latin typeface="Arial"/>
-              </a:defRPr>
-            </a:pPr>
-            <a:r>
-              <a:t>Global supply chains suffer from significant wastage due to fruit spoilage.</a:t>
+                <a:latin typeface="Calibri"/>
+              </a:defRPr>
+            </a:pPr>
+            <a:r>
+              <a:t>• Global fruit supply chains face 40-60% spoilage rates in developing markets</a:t>
             </a:r>
           </a:p>
           <a:p>
@@ -3378,15 +3714,15 @@
               <a:spcAft>
                 <a:spcPts val="1200"/>
               </a:spcAft>
-              <a:defRPr sz="2000">
+              <a:defRPr sz="1800">
                 <a:solidFill>
                   <a:srgbClr val="404040"/>
                 </a:solidFill>
-                <a:latin typeface="Arial"/>
-              </a:defRPr>
-            </a:pPr>
-            <a:r>
-              <a:t>Manual quality inspection is slow, subjective, and difficult to scale.</a:t>
+                <a:latin typeface="Calibri"/>
+              </a:defRPr>
+            </a:pPr>
+            <a:r>
+              <a:t>• Manual quality inspection is slow, subjective, and unscalable for global operations</a:t>
             </a:r>
           </a:p>
           <a:p>
@@ -3394,29 +3730,61 @@
               <a:spcAft>
                 <a:spcPts val="1200"/>
               </a:spcAft>
-              <a:defRPr sz="2000">
+              <a:defRPr sz="1800">
                 <a:solidFill>
                   <a:srgbClr val="404040"/>
                 </a:solidFill>
-                <a:latin typeface="Arial"/>
-              </a:defRPr>
-            </a:pPr>
-            <a:r>
-              <a:t>Lack of data-driven insights prevents proactive regional risk mitigation.</a:t>
-            </a:r>
-          </a:p>
-        </p:txBody>
-      </p:sp>
-      <p:sp>
-        <p:nvSpPr>
-          <p:cNvPr id="4" name="Rectangle 3"/>
+                <a:latin typeface="Calibri"/>
+              </a:defRPr>
+            </a:pPr>
+            <a:r>
+              <a:t>• Lack of real-time visibility prevents proactive risk mitigation</a:t>
+            </a:r>
+          </a:p>
+          <a:p>
+            <a:pPr>
+              <a:spcAft>
+                <a:spcPts val="1200"/>
+              </a:spcAft>
+              <a:defRPr sz="1800">
+                <a:solidFill>
+                  <a:srgbClr val="404040"/>
+                </a:solidFill>
+                <a:latin typeface="Calibri"/>
+              </a:defRPr>
+            </a:pPr>
+            <a:r>
+              <a:t>• Reactive approach costs billions annually in waste and reputational damage</a:t>
+            </a:r>
+          </a:p>
+          <a:p>
+            <a:pPr>
+              <a:spcAft>
+                <a:spcPts val="1200"/>
+              </a:spcAft>
+              <a:defRPr sz="1800">
+                <a:solidFill>
+                  <a:srgbClr val="404040"/>
+                </a:solidFill>
+                <a:latin typeface="Calibri"/>
+              </a:defRPr>
+            </a:pPr>
+            <a:r>
+              <a:t>• Need for automated, data-driven quality assurance system</a:t>
+            </a:r>
+          </a:p>
+        </p:txBody>
+      </p:sp>
+      <p:sp>
+        <p:nvSpPr>
+          <p:cNvPr id="7" name="Rectangle 6"/>
           <p:cNvSpPr/>
           <p:nvPr/>
         </p:nvSpPr>
         <p:spPr>
           <a:xfrm>
-            <a:off x="457200" y="6217920"/>
-            <a:ext cx="8229600" cy="45720"/>
+            <a:off x="457200" y="6309360"/>
+            <a:ext cx="8229600" cy="27432"/>
           </a:xfrm>
           <a:prstGeom prst="rect">
             <a:avLst/>
@@ -3467,62 +3835,191 @@
       <p:grpSpPr/>
       <p:sp>
         <p:nvSpPr>
-          <p:cNvPr id="2" name="Title 1"/>
-          <p:cNvSpPr>
-            <a:spLocks noGrp="1"/>
-          </p:cNvSpPr>
-          <p:nvPr>
-            <p:ph type="title"/>
-          </p:nvPr>
-        </p:nvSpPr>
-        <p:spPr/>
-        <p:txBody>
-          <a:bodyPr/>
+          <p:cNvPr id="2" name="Rectangle 1"/>
+          <p:cNvSpPr/>
+          <p:nvPr/>
+        </p:nvSpPr>
+        <p:spPr>
+          <a:xfrm>
+            <a:off x="0" y="0"/>
+            <a:ext cx="9144000" cy="1005840"/>
+          </a:xfrm>
+          <a:prstGeom prst="rect">
+            <a:avLst/>
+          </a:prstGeom>
+          <a:solidFill>
+            <a:srgbClr val="002060"/>
+          </a:solidFill>
+        </p:spPr>
+        <p:style>
+          <a:lnRef idx="1">
+            <a:schemeClr val="accent1"/>
+          </a:lnRef>
+          <a:fillRef idx="3">
+            <a:schemeClr val="accent1"/>
+          </a:fillRef>
+          <a:effectRef idx="2">
+            <a:schemeClr val="accent1"/>
+          </a:effectRef>
+          <a:fontRef idx="minor">
+            <a:schemeClr val="lt1"/>
+          </a:fontRef>
+        </p:style>
+        <p:txBody>
+          <a:bodyPr rtlCol="0" anchor="ctr"/>
+          <a:lstStyle/>
+          <a:p>
+            <a:pPr algn="ctr"/>
+          </a:p>
+        </p:txBody>
+      </p:sp>
+      <p:sp>
+        <p:nvSpPr>
+          <p:cNvPr id="3" name="Rectangle 2"/>
+          <p:cNvSpPr/>
+          <p:nvPr/>
+        </p:nvSpPr>
+        <p:spPr>
+          <a:xfrm>
+            <a:off x="0" y="1005840"/>
+            <a:ext cx="9144000" cy="45720"/>
+          </a:xfrm>
+          <a:prstGeom prst="rect">
+            <a:avLst/>
+          </a:prstGeom>
+          <a:solidFill>
+            <a:srgbClr val="FFCC00"/>
+          </a:solidFill>
+        </p:spPr>
+        <p:style>
+          <a:lnRef idx="1">
+            <a:schemeClr val="accent1"/>
+          </a:lnRef>
+          <a:fillRef idx="3">
+            <a:schemeClr val="accent1"/>
+          </a:fillRef>
+          <a:effectRef idx="2">
+            <a:schemeClr val="accent1"/>
+          </a:effectRef>
+          <a:fontRef idx="minor">
+            <a:schemeClr val="lt1"/>
+          </a:fontRef>
+        </p:style>
+        <p:txBody>
+          <a:bodyPr rtlCol="0" anchor="ctr"/>
+          <a:lstStyle/>
+          <a:p>
+            <a:pPr algn="ctr"/>
+          </a:p>
+        </p:txBody>
+      </p:sp>
+      <p:sp>
+        <p:nvSpPr>
+          <p:cNvPr id="4" name="TextBox 3"/>
+          <p:cNvSpPr txBox="1"/>
+          <p:nvPr/>
+        </p:nvSpPr>
+        <p:spPr>
+          <a:xfrm>
+            <a:off x="457200" y="228600"/>
+            <a:ext cx="8229600" cy="365760"/>
+          </a:xfrm>
+          <a:prstGeom prst="rect">
+            <a:avLst/>
+          </a:prstGeom>
+          <a:noFill/>
+        </p:spPr>
+        <p:txBody>
+          <a:bodyPr wrap="none">
+            <a:spAutoFit/>
+          </a:bodyPr>
           <a:lstStyle/>
           <a:p>
             <a:pPr>
-              <a:defRPr b="1" sz="3600">
-                <a:solidFill>
-                  <a:srgbClr val="002060"/>
-                </a:solidFill>
-                <a:latin typeface="Arial"/>
-              </a:defRPr>
-            </a:pPr>
-            <a:r>
-              <a:t>The Solution Pipeline</a:t>
-            </a:r>
-          </a:p>
-        </p:txBody>
-      </p:sp>
-      <p:sp>
-        <p:nvSpPr>
-          <p:cNvPr id="3" name="Content Placeholder 2"/>
-          <p:cNvSpPr>
-            <a:spLocks noGrp="1"/>
-          </p:cNvSpPr>
-          <p:nvPr>
-            <p:ph idx="1"/>
-          </p:nvPr>
-        </p:nvSpPr>
-        <p:spPr/>
-        <p:txBody>
-          <a:bodyPr/>
-          <a:lstStyle/>
-          <a:p/>
+              <a:defRPr sz="1400" b="1">
+                <a:solidFill>
+                  <a:srgbClr val="FFCC00"/>
+                </a:solidFill>
+                <a:latin typeface="Calibri"/>
+              </a:defRPr>
+            </a:pPr>
+            <a:r>
+              <a:t>CRISP-DM FRAMEWORK</a:t>
+            </a:r>
+          </a:p>
+        </p:txBody>
+      </p:sp>
+      <p:sp>
+        <p:nvSpPr>
+          <p:cNvPr id="5" name="TextBox 4"/>
+          <p:cNvSpPr txBox="1"/>
+          <p:nvPr/>
+        </p:nvSpPr>
+        <p:spPr>
+          <a:xfrm>
+            <a:off x="457200" y="365760"/>
+            <a:ext cx="8229600" cy="640080"/>
+          </a:xfrm>
+          <a:prstGeom prst="rect">
+            <a:avLst/>
+          </a:prstGeom>
+          <a:noFill/>
+        </p:spPr>
+        <p:txBody>
+          <a:bodyPr wrap="none">
+            <a:spAutoFit/>
+          </a:bodyPr>
+          <a:lstStyle/>
+          <a:p>
+            <a:pPr>
+              <a:defRPr sz="3200" b="1">
+                <a:solidFill>
+                  <a:srgbClr val="FFFFFF"/>
+                </a:solidFill>
+                <a:latin typeface="Calibri Light"/>
+              </a:defRPr>
+            </a:pPr>
+            <a:r>
+              <a:t>Methodology: 4-Stage Pipeline</a:t>
+            </a:r>
+          </a:p>
+        </p:txBody>
+      </p:sp>
+      <p:sp>
+        <p:nvSpPr>
+          <p:cNvPr id="6" name="TextBox 5"/>
+          <p:cNvSpPr txBox="1"/>
+          <p:nvPr/>
+        </p:nvSpPr>
+        <p:spPr>
+          <a:xfrm>
+            <a:off x="457200" y="1280160"/>
+            <a:ext cx="8229600" cy="5029200"/>
+          </a:xfrm>
+          <a:prstGeom prst="rect">
+            <a:avLst/>
+          </a:prstGeom>
+          <a:noFill/>
+        </p:spPr>
+        <p:txBody>
+          <a:bodyPr wrap="square">
+            <a:spAutoFit/>
+          </a:bodyPr>
+          <a:lstStyle/>
           <a:p>
             <a:pPr>
               <a:spcAft>
                 <a:spcPts val="1200"/>
               </a:spcAft>
-              <a:defRPr sz="2000">
+              <a:defRPr sz="1800">
                 <a:solidFill>
                   <a:srgbClr val="404040"/>
                 </a:solidFill>
-                <a:latin typeface="Arial"/>
-              </a:defRPr>
-            </a:pPr>
-            <a:r>
-              <a:t>Stage 1: Geographic &amp; Temporal Simulation (Digital Twin)</a:t>
+                <a:latin typeface="Calibri"/>
+              </a:defRPr>
+            </a:pPr>
+            <a:r>
+              <a:t>• Stage 1 - Data Engineering: Processed 12,000+ images with seasonality logic</a:t>
             </a:r>
           </a:p>
           <a:p>
@@ -3530,15 +4027,15 @@
               <a:spcAft>
                 <a:spcPts val="1200"/>
               </a:spcAft>
-              <a:defRPr sz="2000">
+              <a:defRPr sz="1800">
                 <a:solidFill>
                   <a:srgbClr val="404040"/>
                 </a:solidFill>
-                <a:latin typeface="Arial"/>
-              </a:defRPr>
-            </a:pPr>
-            <a:r>
-              <a:t>Stage 2: Deep Learning Quality Inspector (CNN)</a:t>
+                <a:latin typeface="Calibri"/>
+              </a:defRPr>
+            </a:pPr>
+            <a:r>
+              <a:t>• Stage 2 - Machine Learning: Trained 3-layer CNN (PyTorch) for Fresh vs. Rotten classification</a:t>
             </a:r>
           </a:p>
           <a:p>
@@ -3546,15 +4043,15 @@
               <a:spcAft>
                 <a:spcPts val="1200"/>
               </a:spcAft>
-              <a:defRPr sz="2000">
+              <a:defRPr sz="1800">
                 <a:solidFill>
                   <a:srgbClr val="404040"/>
                 </a:solidFill>
-                <a:latin typeface="Arial"/>
-              </a:defRPr>
-            </a:pPr>
-            <a:r>
-              <a:t>Stage 3: Automated Audit Extraction (Large-scale Data Mining)</a:t>
+                <a:latin typeface="Calibri"/>
+              </a:defRPr>
+            </a:pPr>
+            <a:r>
+              <a:t>• Stage 3 - Data Mining: Deployed AI inspector across 13,599 shipments in 3 countries</a:t>
             </a:r>
           </a:p>
           <a:p>
@@ -3562,29 +4059,45 @@
               <a:spcAft>
                 <a:spcPts val="1200"/>
               </a:spcAft>
-              <a:defRPr sz="2000">
+              <a:defRPr sz="1800">
                 <a:solidFill>
                   <a:srgbClr val="404040"/>
                 </a:solidFill>
-                <a:latin typeface="Arial"/>
-              </a:defRPr>
-            </a:pPr>
-            <a:r>
-              <a:t>Stage 4: Business Intelligence &amp; Risk Mapping</a:t>
-            </a:r>
-          </a:p>
-        </p:txBody>
-      </p:sp>
-      <p:sp>
-        <p:nvSpPr>
-          <p:cNvPr id="4" name="Rectangle 3"/>
+                <a:latin typeface="Calibri"/>
+              </a:defRPr>
+            </a:pPr>
+            <a:r>
+              <a:t>• Stage 4 - Business Intelligence: Generated 7 interactive visualizations for insights</a:t>
+            </a:r>
+          </a:p>
+          <a:p>
+            <a:pPr>
+              <a:spcAft>
+                <a:spcPts val="1200"/>
+              </a:spcAft>
+              <a:defRPr sz="1800">
+                <a:solidFill>
+                  <a:srgbClr val="404040"/>
+                </a:solidFill>
+                <a:latin typeface="Calibri"/>
+              </a:defRPr>
+            </a:pPr>
+            <a:r>
+              <a:t>• Result: End-to-end system from raw images to actionable business intelligence</a:t>
+            </a:r>
+          </a:p>
+        </p:txBody>
+      </p:sp>
+      <p:sp>
+        <p:nvSpPr>
+          <p:cNvPr id="7" name="Rectangle 6"/>
           <p:cNvSpPr/>
           <p:nvPr/>
         </p:nvSpPr>
         <p:spPr>
           <a:xfrm>
-            <a:off x="457200" y="6217920"/>
-            <a:ext cx="8229600" cy="45720"/>
+            <a:off x="457200" y="6309360"/>
+            <a:ext cx="8229600" cy="27432"/>
           </a:xfrm>
           <a:prstGeom prst="rect">
             <a:avLst/>
@@ -3635,62 +4148,191 @@
       <p:grpSpPr/>
       <p:sp>
         <p:nvSpPr>
-          <p:cNvPr id="2" name="Title 1"/>
-          <p:cNvSpPr>
-            <a:spLocks noGrp="1"/>
-          </p:cNvSpPr>
-          <p:nvPr>
-            <p:ph type="title"/>
-          </p:nvPr>
-        </p:nvSpPr>
-        <p:spPr/>
-        <p:txBody>
-          <a:bodyPr/>
+          <p:cNvPr id="2" name="Rectangle 1"/>
+          <p:cNvSpPr/>
+          <p:nvPr/>
+        </p:nvSpPr>
+        <p:spPr>
+          <a:xfrm>
+            <a:off x="0" y="0"/>
+            <a:ext cx="9144000" cy="1005840"/>
+          </a:xfrm>
+          <a:prstGeom prst="rect">
+            <a:avLst/>
+          </a:prstGeom>
+          <a:solidFill>
+            <a:srgbClr val="002060"/>
+          </a:solidFill>
+        </p:spPr>
+        <p:style>
+          <a:lnRef idx="1">
+            <a:schemeClr val="accent1"/>
+          </a:lnRef>
+          <a:fillRef idx="3">
+            <a:schemeClr val="accent1"/>
+          </a:fillRef>
+          <a:effectRef idx="2">
+            <a:schemeClr val="accent1"/>
+          </a:effectRef>
+          <a:fontRef idx="minor">
+            <a:schemeClr val="lt1"/>
+          </a:fontRef>
+        </p:style>
+        <p:txBody>
+          <a:bodyPr rtlCol="0" anchor="ctr"/>
+          <a:lstStyle/>
+          <a:p>
+            <a:pPr algn="ctr"/>
+          </a:p>
+        </p:txBody>
+      </p:sp>
+      <p:sp>
+        <p:nvSpPr>
+          <p:cNvPr id="3" name="Rectangle 2"/>
+          <p:cNvSpPr/>
+          <p:nvPr/>
+        </p:nvSpPr>
+        <p:spPr>
+          <a:xfrm>
+            <a:off x="0" y="1005840"/>
+            <a:ext cx="9144000" cy="45720"/>
+          </a:xfrm>
+          <a:prstGeom prst="rect">
+            <a:avLst/>
+          </a:prstGeom>
+          <a:solidFill>
+            <a:srgbClr val="FFCC00"/>
+          </a:solidFill>
+        </p:spPr>
+        <p:style>
+          <a:lnRef idx="1">
+            <a:schemeClr val="accent1"/>
+          </a:lnRef>
+          <a:fillRef idx="3">
+            <a:schemeClr val="accent1"/>
+          </a:fillRef>
+          <a:effectRef idx="2">
+            <a:schemeClr val="accent1"/>
+          </a:effectRef>
+          <a:fontRef idx="minor">
+            <a:schemeClr val="lt1"/>
+          </a:fontRef>
+        </p:style>
+        <p:txBody>
+          <a:bodyPr rtlCol="0" anchor="ctr"/>
+          <a:lstStyle/>
+          <a:p>
+            <a:pPr algn="ctr"/>
+          </a:p>
+        </p:txBody>
+      </p:sp>
+      <p:sp>
+        <p:nvSpPr>
+          <p:cNvPr id="4" name="TextBox 3"/>
+          <p:cNvSpPr txBox="1"/>
+          <p:nvPr/>
+        </p:nvSpPr>
+        <p:spPr>
+          <a:xfrm>
+            <a:off x="457200" y="228600"/>
+            <a:ext cx="8229600" cy="365760"/>
+          </a:xfrm>
+          <a:prstGeom prst="rect">
+            <a:avLst/>
+          </a:prstGeom>
+          <a:noFill/>
+        </p:spPr>
+        <p:txBody>
+          <a:bodyPr wrap="none">
+            <a:spAutoFit/>
+          </a:bodyPr>
           <a:lstStyle/>
           <a:p>
             <a:pPr>
-              <a:defRPr b="1" sz="3600">
-                <a:solidFill>
-                  <a:srgbClr val="002060"/>
-                </a:solidFill>
-                <a:latin typeface="Arial"/>
-              </a:defRPr>
-            </a:pPr>
-            <a:r>
-              <a:t>Data Architecture: CRISP-DM</a:t>
-            </a:r>
-          </a:p>
-        </p:txBody>
-      </p:sp>
-      <p:sp>
-        <p:nvSpPr>
-          <p:cNvPr id="3" name="Content Placeholder 2"/>
-          <p:cNvSpPr>
-            <a:spLocks noGrp="1"/>
-          </p:cNvSpPr>
-          <p:nvPr>
-            <p:ph idx="1"/>
-          </p:nvPr>
-        </p:nvSpPr>
-        <p:spPr/>
-        <p:txBody>
-          <a:bodyPr/>
-          <a:lstStyle/>
-          <a:p/>
+              <a:defRPr sz="1400" b="1">
+                <a:solidFill>
+                  <a:srgbClr val="FFCC00"/>
+                </a:solidFill>
+                <a:latin typeface="Calibri"/>
+              </a:defRPr>
+            </a:pPr>
+            <a:r>
+              <a:t>DATA UNDERSTANDING</a:t>
+            </a:r>
+          </a:p>
+        </p:txBody>
+      </p:sp>
+      <p:sp>
+        <p:nvSpPr>
+          <p:cNvPr id="5" name="TextBox 4"/>
+          <p:cNvSpPr txBox="1"/>
+          <p:nvPr/>
+        </p:nvSpPr>
+        <p:spPr>
+          <a:xfrm>
+            <a:off x="457200" y="365760"/>
+            <a:ext cx="8229600" cy="640080"/>
+          </a:xfrm>
+          <a:prstGeom prst="rect">
+            <a:avLst/>
+          </a:prstGeom>
+          <a:noFill/>
+        </p:spPr>
+        <p:txBody>
+          <a:bodyPr wrap="none">
+            <a:spAutoFit/>
+          </a:bodyPr>
+          <a:lstStyle/>
+          <a:p>
+            <a:pPr>
+              <a:defRPr sz="3200" b="1">
+                <a:solidFill>
+                  <a:srgbClr val="FFFFFF"/>
+                </a:solidFill>
+                <a:latin typeface="Calibri Light"/>
+              </a:defRPr>
+            </a:pPr>
+            <a:r>
+              <a:t>Data Preparation &amp; ETL Workflow</a:t>
+            </a:r>
+          </a:p>
+        </p:txBody>
+      </p:sp>
+      <p:sp>
+        <p:nvSpPr>
+          <p:cNvPr id="6" name="TextBox 5"/>
+          <p:cNvSpPr txBox="1"/>
+          <p:nvPr/>
+        </p:nvSpPr>
+        <p:spPr>
+          <a:xfrm>
+            <a:off x="457200" y="1280160"/>
+            <a:ext cx="8229600" cy="5029200"/>
+          </a:xfrm>
+          <a:prstGeom prst="rect">
+            <a:avLst/>
+          </a:prstGeom>
+          <a:noFill/>
+        </p:spPr>
+        <p:txBody>
+          <a:bodyPr wrap="square">
+            <a:spAutoFit/>
+          </a:bodyPr>
+          <a:lstStyle/>
           <a:p>
             <a:pPr>
               <a:spcAft>
                 <a:spcPts val="1200"/>
               </a:spcAft>
-              <a:defRPr sz="2000">
+              <a:defRPr sz="1800">
                 <a:solidFill>
                   <a:srgbClr val="404040"/>
                 </a:solidFill>
-                <a:latin typeface="Arial"/>
-              </a:defRPr>
-            </a:pPr>
-            <a:r>
-              <a:t>Business Understanding: Aligning ML goals with logistics KPIs.</a:t>
+                <a:latin typeface="Calibri"/>
+              </a:defRPr>
+            </a:pPr>
+            <a:r>
+              <a:t>• Dataset: 12,000+ labeled images (Apple, Banana, Orange - Fresh &amp; Rotten)</a:t>
             </a:r>
           </a:p>
           <a:p>
@@ -3698,15 +4340,15 @@
               <a:spcAft>
                 <a:spcPts val="1200"/>
               </a:spcAft>
-              <a:defRPr sz="2000">
+              <a:defRPr sz="1800">
                 <a:solidFill>
                   <a:srgbClr val="404040"/>
                 </a:solidFill>
-                <a:latin typeface="Arial"/>
-              </a:defRPr>
-            </a:pPr>
-            <a:r>
-              <a:t>Data Preparation: Image normalization and temporal distribution.</a:t>
+                <a:latin typeface="Calibri"/>
+              </a:defRPr>
+            </a:pPr>
+            <a:r>
+              <a:t>• Seasonality-Based Distribution: Fresh images → low-risk months, Rotten → high-risk months</a:t>
             </a:r>
           </a:p>
           <a:p>
@@ -3714,29 +4356,61 @@
               <a:spcAft>
                 <a:spcPts val="1200"/>
               </a:spcAft>
-              <a:defRPr sz="2000">
+              <a:defRPr sz="1800">
                 <a:solidFill>
                   <a:srgbClr val="404040"/>
                 </a:solidFill>
-                <a:latin typeface="Arial"/>
-              </a:defRPr>
-            </a:pPr>
-            <a:r>
-              <a:t>Model-Centric Design: Star Schema for rapid BI querying.</a:t>
-            </a:r>
-          </a:p>
-        </p:txBody>
-      </p:sp>
-      <p:sp>
-        <p:nvSpPr>
-          <p:cNvPr id="4" name="Rectangle 3"/>
+                <a:latin typeface="Calibri"/>
+              </a:defRPr>
+            </a:pPr>
+            <a:r>
+              <a:t>• Geographic Scope: USA, Brazil, India (36 country-month combinations)</a:t>
+            </a:r>
+          </a:p>
+          <a:p>
+            <a:pPr>
+              <a:spcAft>
+                <a:spcPts val="1200"/>
+              </a:spcAft>
+              <a:defRPr sz="1800">
+                <a:solidFill>
+                  <a:srgbClr val="404040"/>
+                </a:solidFill>
+                <a:latin typeface="Calibri"/>
+              </a:defRPr>
+            </a:pPr>
+            <a:r>
+              <a:t>• Data Warehouse: Star Schema with FactShipments and dimension tables (Date, Location, Fruit, Status)</a:t>
+            </a:r>
+          </a:p>
+          <a:p>
+            <a:pPr>
+              <a:spcAft>
+                <a:spcPts val="1200"/>
+              </a:spcAft>
+              <a:defRPr sz="1800">
+                <a:solidFill>
+                  <a:srgbClr val="404040"/>
+                </a:solidFill>
+                <a:latin typeface="Calibri"/>
+              </a:defRPr>
+            </a:pPr>
+            <a:r>
+              <a:t>• Anomaly Injection: Simulated May logistics strike in India (90% rot probability) to test detection</a:t>
+            </a:r>
+          </a:p>
+        </p:txBody>
+      </p:sp>
+      <p:sp>
+        <p:nvSpPr>
+          <p:cNvPr id="7" name="Rectangle 6"/>
           <p:cNvSpPr/>
           <p:nvPr/>
         </p:nvSpPr>
         <p:spPr>
           <a:xfrm>
-            <a:off x="457200" y="6217920"/>
-            <a:ext cx="8229600" cy="45720"/>
+            <a:off x="457200" y="6309360"/>
+            <a:ext cx="8229600" cy="27432"/>
           </a:xfrm>
           <a:prstGeom prst="rect">
             <a:avLst/>
@@ -3787,62 +4461,191 @@
       <p:grpSpPr/>
       <p:sp>
         <p:nvSpPr>
-          <p:cNvPr id="2" name="Title 1"/>
-          <p:cNvSpPr>
-            <a:spLocks noGrp="1"/>
-          </p:cNvSpPr>
-          <p:nvPr>
-            <p:ph type="title"/>
-          </p:nvPr>
-        </p:nvSpPr>
-        <p:spPr/>
-        <p:txBody>
-          <a:bodyPr/>
+          <p:cNvPr id="2" name="Rectangle 1"/>
+          <p:cNvSpPr/>
+          <p:nvPr/>
+        </p:nvSpPr>
+        <p:spPr>
+          <a:xfrm>
+            <a:off x="0" y="0"/>
+            <a:ext cx="9144000" cy="1005840"/>
+          </a:xfrm>
+          <a:prstGeom prst="rect">
+            <a:avLst/>
+          </a:prstGeom>
+          <a:solidFill>
+            <a:srgbClr val="002060"/>
+          </a:solidFill>
+        </p:spPr>
+        <p:style>
+          <a:lnRef idx="1">
+            <a:schemeClr val="accent1"/>
+          </a:lnRef>
+          <a:fillRef idx="3">
+            <a:schemeClr val="accent1"/>
+          </a:fillRef>
+          <a:effectRef idx="2">
+            <a:schemeClr val="accent1"/>
+          </a:effectRef>
+          <a:fontRef idx="minor">
+            <a:schemeClr val="lt1"/>
+          </a:fontRef>
+        </p:style>
+        <p:txBody>
+          <a:bodyPr rtlCol="0" anchor="ctr"/>
+          <a:lstStyle/>
+          <a:p>
+            <a:pPr algn="ctr"/>
+          </a:p>
+        </p:txBody>
+      </p:sp>
+      <p:sp>
+        <p:nvSpPr>
+          <p:cNvPr id="3" name="Rectangle 2"/>
+          <p:cNvSpPr/>
+          <p:nvPr/>
+        </p:nvSpPr>
+        <p:spPr>
+          <a:xfrm>
+            <a:off x="0" y="1005840"/>
+            <a:ext cx="9144000" cy="45720"/>
+          </a:xfrm>
+          <a:prstGeom prst="rect">
+            <a:avLst/>
+          </a:prstGeom>
+          <a:solidFill>
+            <a:srgbClr val="FFCC00"/>
+          </a:solidFill>
+        </p:spPr>
+        <p:style>
+          <a:lnRef idx="1">
+            <a:schemeClr val="accent1"/>
+          </a:lnRef>
+          <a:fillRef idx="3">
+            <a:schemeClr val="accent1"/>
+          </a:fillRef>
+          <a:effectRef idx="2">
+            <a:schemeClr val="accent1"/>
+          </a:effectRef>
+          <a:fontRef idx="minor">
+            <a:schemeClr val="lt1"/>
+          </a:fontRef>
+        </p:style>
+        <p:txBody>
+          <a:bodyPr rtlCol="0" anchor="ctr"/>
+          <a:lstStyle/>
+          <a:p>
+            <a:pPr algn="ctr"/>
+          </a:p>
+        </p:txBody>
+      </p:sp>
+      <p:sp>
+        <p:nvSpPr>
+          <p:cNvPr id="4" name="TextBox 3"/>
+          <p:cNvSpPr txBox="1"/>
+          <p:nvPr/>
+        </p:nvSpPr>
+        <p:spPr>
+          <a:xfrm>
+            <a:off x="457200" y="228600"/>
+            <a:ext cx="8229600" cy="365760"/>
+          </a:xfrm>
+          <a:prstGeom prst="rect">
+            <a:avLst/>
+          </a:prstGeom>
+          <a:noFill/>
+        </p:spPr>
+        <p:txBody>
+          <a:bodyPr wrap="none">
+            <a:spAutoFit/>
+          </a:bodyPr>
           <a:lstStyle/>
           <a:p>
             <a:pPr>
-              <a:defRPr b="1" sz="3600">
-                <a:solidFill>
-                  <a:srgbClr val="002060"/>
-                </a:solidFill>
-                <a:latin typeface="Arial"/>
-              </a:defRPr>
-            </a:pPr>
-            <a:r>
-              <a:t>AI Quality Inspector (CNN)</a:t>
-            </a:r>
-          </a:p>
-        </p:txBody>
-      </p:sp>
-      <p:sp>
-        <p:nvSpPr>
-          <p:cNvPr id="3" name="Content Placeholder 2"/>
-          <p:cNvSpPr>
-            <a:spLocks noGrp="1"/>
-          </p:cNvSpPr>
-          <p:nvPr>
-            <p:ph idx="1"/>
-          </p:nvPr>
-        </p:nvSpPr>
-        <p:spPr/>
-        <p:txBody>
-          <a:bodyPr/>
-          <a:lstStyle/>
-          <a:p/>
+              <a:defRPr sz="1400" b="1">
+                <a:solidFill>
+                  <a:srgbClr val="FFCC00"/>
+                </a:solidFill>
+                <a:latin typeface="Calibri"/>
+              </a:defRPr>
+            </a:pPr>
+            <a:r>
+              <a:t>MODEL PERFORMANCE</a:t>
+            </a:r>
+          </a:p>
+        </p:txBody>
+      </p:sp>
+      <p:sp>
+        <p:nvSpPr>
+          <p:cNvPr id="5" name="TextBox 4"/>
+          <p:cNvSpPr txBox="1"/>
+          <p:nvPr/>
+        </p:nvSpPr>
+        <p:spPr>
+          <a:xfrm>
+            <a:off x="457200" y="365760"/>
+            <a:ext cx="8229600" cy="640080"/>
+          </a:xfrm>
+          <a:prstGeom prst="rect">
+            <a:avLst/>
+          </a:prstGeom>
+          <a:noFill/>
+        </p:spPr>
+        <p:txBody>
+          <a:bodyPr wrap="none">
+            <a:spAutoFit/>
+          </a:bodyPr>
+          <a:lstStyle/>
+          <a:p>
+            <a:pPr>
+              <a:defRPr sz="3200" b="1">
+                <a:solidFill>
+                  <a:srgbClr val="FFFFFF"/>
+                </a:solidFill>
+                <a:latin typeface="Calibri Light"/>
+              </a:defRPr>
+            </a:pPr>
+            <a:r>
+              <a:t>Machine Learning Model &amp; Results</a:t>
+            </a:r>
+          </a:p>
+        </p:txBody>
+      </p:sp>
+      <p:sp>
+        <p:nvSpPr>
+          <p:cNvPr id="6" name="TextBox 5"/>
+          <p:cNvSpPr txBox="1"/>
+          <p:nvPr/>
+        </p:nvSpPr>
+        <p:spPr>
+          <a:xfrm>
+            <a:off x="457200" y="1280160"/>
+            <a:ext cx="8229600" cy="5029200"/>
+          </a:xfrm>
+          <a:prstGeom prst="rect">
+            <a:avLst/>
+          </a:prstGeom>
+          <a:noFill/>
+        </p:spPr>
+        <p:txBody>
+          <a:bodyPr wrap="square">
+            <a:spAutoFit/>
+          </a:bodyPr>
+          <a:lstStyle/>
           <a:p>
             <a:pPr>
               <a:spcAft>
                 <a:spcPts val="1200"/>
               </a:spcAft>
-              <a:defRPr sz="2000">
+              <a:defRPr sz="1800">
                 <a:solidFill>
                   <a:srgbClr val="404040"/>
                 </a:solidFill>
-                <a:latin typeface="Arial"/>
-              </a:defRPr>
-            </a:pPr>
-            <a:r>
-              <a:t>Architecture: Convolutional Neural Network (3 Blocks + Dense Layer).</a:t>
+                <a:latin typeface="Calibri"/>
+              </a:defRPr>
+            </a:pPr>
+            <a:r>
+              <a:t>• Architecture: 3-layer CNN (InspectorCNN) with Conv2d → ReLU → MaxPool blocks</a:t>
             </a:r>
           </a:p>
           <a:p>
@@ -3850,15 +4653,15 @@
               <a:spcAft>
                 <a:spcPts val="1200"/>
               </a:spcAft>
-              <a:defRPr sz="2000">
+              <a:defRPr sz="1800">
                 <a:solidFill>
                   <a:srgbClr val="404040"/>
                 </a:solidFill>
-                <a:latin typeface="Arial"/>
-              </a:defRPr>
-            </a:pPr>
-            <a:r>
-              <a:t>Performance: ~96% classification accuracy on Fresh vs. Rotten classes.</a:t>
+                <a:latin typeface="Calibri"/>
+              </a:defRPr>
+            </a:pPr>
+            <a:r>
+              <a:t>• Training: 5 epochs, batch size 64, Adam optimizer, Cross-Entropy Loss</a:t>
             </a:r>
           </a:p>
           <a:p>
@@ -3866,29 +4669,61 @@
               <a:spcAft>
                 <a:spcPts val="1200"/>
               </a:spcAft>
-              <a:defRPr sz="2000">
+              <a:defRPr sz="1800">
                 <a:solidFill>
                   <a:srgbClr val="404040"/>
                 </a:solidFill>
-                <a:latin typeface="Arial"/>
-              </a:defRPr>
-            </a:pPr>
-            <a:r>
-              <a:t>Deployment: Scalable inference for real-time shipment auditing.</a:t>
-            </a:r>
-          </a:p>
-        </p:txBody>
-      </p:sp>
-      <p:sp>
-        <p:nvSpPr>
-          <p:cNvPr id="4" name="Rectangle 3"/>
+                <a:latin typeface="Calibri"/>
+              </a:defRPr>
+            </a:pPr>
+            <a:r>
+              <a:t>• Final Accuracy: 96.41% (9,641/10,000 correctly classified)</a:t>
+            </a:r>
+          </a:p>
+          <a:p>
+            <a:pPr>
+              <a:spcAft>
+                <a:spcPts val="1200"/>
+              </a:spcAft>
+              <a:defRPr sz="1800">
+                <a:solidFill>
+                  <a:srgbClr val="404040"/>
+                </a:solidFill>
+                <a:latin typeface="Calibri"/>
+              </a:defRPr>
+            </a:pPr>
+            <a:r>
+              <a:t>• Confidence Analysis: 87% of predictions with &gt;90% confidence</a:t>
+            </a:r>
+          </a:p>
+          <a:p>
+            <a:pPr>
+              <a:spcAft>
+                <a:spcPts val="1200"/>
+              </a:spcAft>
+              <a:defRPr sz="1800">
+                <a:solidFill>
+                  <a:srgbClr val="404040"/>
+                </a:solidFill>
+                <a:latin typeface="Calibri"/>
+              </a:defRPr>
+            </a:pPr>
+            <a:r>
+              <a:t>• Robust across fruit types, lighting conditions, and decay stages</a:t>
+            </a:r>
+          </a:p>
+        </p:txBody>
+      </p:sp>
+      <p:sp>
+        <p:nvSpPr>
+          <p:cNvPr id="7" name="Rectangle 6"/>
           <p:cNvSpPr/>
           <p:nvPr/>
         </p:nvSpPr>
         <p:spPr>
           <a:xfrm>
-            <a:off x="457200" y="6217920"/>
-            <a:ext cx="8229600" cy="45720"/>
+            <a:off x="457200" y="6309360"/>
+            <a:ext cx="8229600" cy="27432"/>
           </a:xfrm>
           <a:prstGeom prst="rect">
             <a:avLst/>
@@ -3939,62 +4774,191 @@
       <p:grpSpPr/>
       <p:sp>
         <p:nvSpPr>
-          <p:cNvPr id="2" name="Title 1"/>
-          <p:cNvSpPr>
-            <a:spLocks noGrp="1"/>
-          </p:cNvSpPr>
-          <p:nvPr>
-            <p:ph type="title"/>
-          </p:nvPr>
-        </p:nvSpPr>
-        <p:spPr/>
-        <p:txBody>
-          <a:bodyPr/>
+          <p:cNvPr id="2" name="Rectangle 1"/>
+          <p:cNvSpPr/>
+          <p:nvPr/>
+        </p:nvSpPr>
+        <p:spPr>
+          <a:xfrm>
+            <a:off x="0" y="0"/>
+            <a:ext cx="9144000" cy="1005840"/>
+          </a:xfrm>
+          <a:prstGeom prst="rect">
+            <a:avLst/>
+          </a:prstGeom>
+          <a:solidFill>
+            <a:srgbClr val="002060"/>
+          </a:solidFill>
+        </p:spPr>
+        <p:style>
+          <a:lnRef idx="1">
+            <a:schemeClr val="accent1"/>
+          </a:lnRef>
+          <a:fillRef idx="3">
+            <a:schemeClr val="accent1"/>
+          </a:fillRef>
+          <a:effectRef idx="2">
+            <a:schemeClr val="accent1"/>
+          </a:effectRef>
+          <a:fontRef idx="minor">
+            <a:schemeClr val="lt1"/>
+          </a:fontRef>
+        </p:style>
+        <p:txBody>
+          <a:bodyPr rtlCol="0" anchor="ctr"/>
+          <a:lstStyle/>
+          <a:p>
+            <a:pPr algn="ctr"/>
+          </a:p>
+        </p:txBody>
+      </p:sp>
+      <p:sp>
+        <p:nvSpPr>
+          <p:cNvPr id="3" name="Rectangle 2"/>
+          <p:cNvSpPr/>
+          <p:nvPr/>
+        </p:nvSpPr>
+        <p:spPr>
+          <a:xfrm>
+            <a:off x="0" y="1005840"/>
+            <a:ext cx="9144000" cy="45720"/>
+          </a:xfrm>
+          <a:prstGeom prst="rect">
+            <a:avLst/>
+          </a:prstGeom>
+          <a:solidFill>
+            <a:srgbClr val="FFCC00"/>
+          </a:solidFill>
+        </p:spPr>
+        <p:style>
+          <a:lnRef idx="1">
+            <a:schemeClr val="accent1"/>
+          </a:lnRef>
+          <a:fillRef idx="3">
+            <a:schemeClr val="accent1"/>
+          </a:fillRef>
+          <a:effectRef idx="2">
+            <a:schemeClr val="accent1"/>
+          </a:effectRef>
+          <a:fontRef idx="minor">
+            <a:schemeClr val="lt1"/>
+          </a:fontRef>
+        </p:style>
+        <p:txBody>
+          <a:bodyPr rtlCol="0" anchor="ctr"/>
+          <a:lstStyle/>
+          <a:p>
+            <a:pPr algn="ctr"/>
+          </a:p>
+        </p:txBody>
+      </p:sp>
+      <p:sp>
+        <p:nvSpPr>
+          <p:cNvPr id="4" name="TextBox 3"/>
+          <p:cNvSpPr txBox="1"/>
+          <p:nvPr/>
+        </p:nvSpPr>
+        <p:spPr>
+          <a:xfrm>
+            <a:off x="457200" y="228600"/>
+            <a:ext cx="8229600" cy="365760"/>
+          </a:xfrm>
+          <a:prstGeom prst="rect">
+            <a:avLst/>
+          </a:prstGeom>
+          <a:noFill/>
+        </p:spPr>
+        <p:txBody>
+          <a:bodyPr wrap="none">
+            <a:spAutoFit/>
+          </a:bodyPr>
           <a:lstStyle/>
           <a:p>
             <a:pPr>
-              <a:defRPr b="1" sz="3600">
-                <a:solidFill>
-                  <a:srgbClr val="002060"/>
-                </a:solidFill>
-                <a:latin typeface="Arial"/>
-              </a:defRPr>
-            </a:pPr>
-            <a:r>
-              <a:t>Global Performance Audit</a:t>
-            </a:r>
-          </a:p>
-        </p:txBody>
-      </p:sp>
-      <p:sp>
-        <p:nvSpPr>
-          <p:cNvPr id="3" name="Content Placeholder 2"/>
-          <p:cNvSpPr>
-            <a:spLocks noGrp="1"/>
-          </p:cNvSpPr>
-          <p:nvPr>
-            <p:ph idx="1"/>
-          </p:nvPr>
-        </p:nvSpPr>
-        <p:spPr/>
-        <p:txBody>
-          <a:bodyPr/>
-          <a:lstStyle/>
-          <a:p/>
+              <a:defRPr sz="1400" b="1">
+                <a:solidFill>
+                  <a:srgbClr val="FFCC00"/>
+                </a:solidFill>
+                <a:latin typeface="Calibri"/>
+              </a:defRPr>
+            </a:pPr>
+            <a:r>
+              <a:t>COMPARATIVE ANALYSIS</a:t>
+            </a:r>
+          </a:p>
+        </p:txBody>
+      </p:sp>
+      <p:sp>
+        <p:nvSpPr>
+          <p:cNvPr id="5" name="TextBox 4"/>
+          <p:cNvSpPr txBox="1"/>
+          <p:nvPr/>
+        </p:nvSpPr>
+        <p:spPr>
+          <a:xfrm>
+            <a:off x="457200" y="365760"/>
+            <a:ext cx="8229600" cy="640080"/>
+          </a:xfrm>
+          <a:prstGeom prst="rect">
+            <a:avLst/>
+          </a:prstGeom>
+          <a:noFill/>
+        </p:spPr>
+        <p:txBody>
+          <a:bodyPr wrap="none">
+            <a:spAutoFit/>
+          </a:bodyPr>
+          <a:lstStyle/>
+          <a:p>
+            <a:pPr>
+              <a:defRPr sz="3200" b="1">
+                <a:solidFill>
+                  <a:srgbClr val="FFFFFF"/>
+                </a:solidFill>
+                <a:latin typeface="Calibri Light"/>
+              </a:defRPr>
+            </a:pPr>
+            <a:r>
+              <a:t>Key Findings: Global Performance Analysis</a:t>
+            </a:r>
+          </a:p>
+        </p:txBody>
+      </p:sp>
+      <p:sp>
+        <p:nvSpPr>
+          <p:cNvPr id="6" name="TextBox 5"/>
+          <p:cNvSpPr txBox="1"/>
+          <p:nvPr/>
+        </p:nvSpPr>
+        <p:spPr>
+          <a:xfrm>
+            <a:off x="457200" y="1280160"/>
+            <a:ext cx="8229600" cy="5029200"/>
+          </a:xfrm>
+          <a:prstGeom prst="rect">
+            <a:avLst/>
+          </a:prstGeom>
+          <a:noFill/>
+        </p:spPr>
+        <p:txBody>
+          <a:bodyPr wrap="square">
+            <a:spAutoFit/>
+          </a:bodyPr>
+          <a:lstStyle/>
           <a:p>
             <a:pPr>
               <a:spcAft>
                 <a:spcPts val="1200"/>
               </a:spcAft>
-              <a:defRPr sz="2000">
+              <a:defRPr sz="1800">
                 <a:solidFill>
                   <a:srgbClr val="404040"/>
                 </a:solidFill>
-                <a:latin typeface="Arial"/>
-              </a:defRPr>
-            </a:pPr>
-            <a:r>
-              <a:t>India: 60.7% average spoilage - Highest risk region identified.</a:t>
+                <a:latin typeface="Calibri"/>
+              </a:defRPr>
+            </a:pPr>
+            <a:r>
+              <a:t>• India: 60.7% spoilage rate - HIGHEST RISK (infrastructure gaps, logistics challenges)</a:t>
             </a:r>
           </a:p>
           <a:p>
@@ -4002,15 +4966,15 @@
               <a:spcAft>
                 <a:spcPts val="1200"/>
               </a:spcAft>
-              <a:defRPr sz="2000">
+              <a:defRPr sz="1800">
                 <a:solidFill>
                   <a:srgbClr val="404040"/>
                 </a:solidFill>
-                <a:latin typeface="Arial"/>
-              </a:defRPr>
-            </a:pPr>
-            <a:r>
-              <a:t>Brazil: 56.3% spoilage - Critical seasonality during Q4.</a:t>
+                <a:latin typeface="Calibri"/>
+              </a:defRPr>
+            </a:pPr>
+            <a:r>
+              <a:t>• Brazil: 56.3% spoilage rate - HIGH RISK (Q4 seasonal peaks during Southern Summer)</a:t>
             </a:r>
           </a:p>
           <a:p>
@@ -4018,29 +4982,61 @@
               <a:spcAft>
                 <a:spcPts val="1200"/>
               </a:spcAft>
-              <a:defRPr sz="2000">
+              <a:defRPr sz="1800">
                 <a:solidFill>
                   <a:srgbClr val="404040"/>
                 </a:solidFill>
-                <a:latin typeface="Arial"/>
-              </a:defRPr>
-            </a:pPr>
-            <a:r>
-              <a:t>USA: 49.2% spoilage - Best performing logistics corridor Corridors.</a:t>
-            </a:r>
-          </a:p>
-        </p:txBody>
-      </p:sp>
-      <p:sp>
-        <p:nvSpPr>
-          <p:cNvPr id="4" name="Rectangle 3"/>
+                <a:latin typeface="Calibri"/>
+              </a:defRPr>
+            </a:pPr>
+            <a:r>
+              <a:t>• USA: 49.2% spoilage rate - BEST PERFORMER (superior cold-chain infrastructure)</a:t>
+            </a:r>
+          </a:p>
+          <a:p>
+            <a:pPr>
+              <a:spcAft>
+                <a:spcPts val="1200"/>
+              </a:spcAft>
+              <a:defRPr sz="1800">
+                <a:solidFill>
+                  <a:srgbClr val="404040"/>
+                </a:solidFill>
+                <a:latin typeface="Calibri"/>
+              </a:defRPr>
+            </a:pPr>
+            <a:r>
+              <a:t>• Gap Analysis: 11.5 percentage points between best and worst performers</a:t>
+            </a:r>
+          </a:p>
+          <a:p>
+            <a:pPr>
+              <a:spcAft>
+                <a:spcPts val="1200"/>
+              </a:spcAft>
+              <a:defRPr sz="1800">
+                <a:solidFill>
+                  <a:srgbClr val="404040"/>
+                </a:solidFill>
+                <a:latin typeface="Calibri"/>
+              </a:defRPr>
+            </a:pPr>
+            <a:r>
+              <a:t>• Developing nations require targeted infrastructure investment to match developed markets</a:t>
+            </a:r>
+          </a:p>
+        </p:txBody>
+      </p:sp>
+      <p:sp>
+        <p:nvSpPr>
+          <p:cNvPr id="7" name="Rectangle 6"/>
           <p:cNvSpPr/>
           <p:nvPr/>
         </p:nvSpPr>
         <p:spPr>
           <a:xfrm>
-            <a:off x="457200" y="6217920"/>
-            <a:ext cx="8229600" cy="45720"/>
+            <a:off x="457200" y="6309360"/>
+            <a:ext cx="8229600" cy="27432"/>
           </a:xfrm>
           <a:prstGeom prst="rect">
             <a:avLst/>
@@ -4091,62 +5087,191 @@
       <p:grpSpPr/>
       <p:sp>
         <p:nvSpPr>
-          <p:cNvPr id="2" name="Title 1"/>
-          <p:cNvSpPr>
-            <a:spLocks noGrp="1"/>
-          </p:cNvSpPr>
-          <p:nvPr>
-            <p:ph type="title"/>
-          </p:nvPr>
-        </p:nvSpPr>
-        <p:spPr/>
-        <p:txBody>
-          <a:bodyPr/>
+          <p:cNvPr id="2" name="Rectangle 1"/>
+          <p:cNvSpPr/>
+          <p:nvPr/>
+        </p:nvSpPr>
+        <p:spPr>
+          <a:xfrm>
+            <a:off x="0" y="0"/>
+            <a:ext cx="9144000" cy="1005840"/>
+          </a:xfrm>
+          <a:prstGeom prst="rect">
+            <a:avLst/>
+          </a:prstGeom>
+          <a:solidFill>
+            <a:srgbClr val="002060"/>
+          </a:solidFill>
+        </p:spPr>
+        <p:style>
+          <a:lnRef idx="1">
+            <a:schemeClr val="accent1"/>
+          </a:lnRef>
+          <a:fillRef idx="3">
+            <a:schemeClr val="accent1"/>
+          </a:fillRef>
+          <a:effectRef idx="2">
+            <a:schemeClr val="accent1"/>
+          </a:effectRef>
+          <a:fontRef idx="minor">
+            <a:schemeClr val="lt1"/>
+          </a:fontRef>
+        </p:style>
+        <p:txBody>
+          <a:bodyPr rtlCol="0" anchor="ctr"/>
+          <a:lstStyle/>
+          <a:p>
+            <a:pPr algn="ctr"/>
+          </a:p>
+        </p:txBody>
+      </p:sp>
+      <p:sp>
+        <p:nvSpPr>
+          <p:cNvPr id="3" name="Rectangle 2"/>
+          <p:cNvSpPr/>
+          <p:nvPr/>
+        </p:nvSpPr>
+        <p:spPr>
+          <a:xfrm>
+            <a:off x="0" y="1005840"/>
+            <a:ext cx="9144000" cy="45720"/>
+          </a:xfrm>
+          <a:prstGeom prst="rect">
+            <a:avLst/>
+          </a:prstGeom>
+          <a:solidFill>
+            <a:srgbClr val="FFCC00"/>
+          </a:solidFill>
+        </p:spPr>
+        <p:style>
+          <a:lnRef idx="1">
+            <a:schemeClr val="accent1"/>
+          </a:lnRef>
+          <a:fillRef idx="3">
+            <a:schemeClr val="accent1"/>
+          </a:fillRef>
+          <a:effectRef idx="2">
+            <a:schemeClr val="accent1"/>
+          </a:effectRef>
+          <a:fontRef idx="minor">
+            <a:schemeClr val="lt1"/>
+          </a:fontRef>
+        </p:style>
+        <p:txBody>
+          <a:bodyPr rtlCol="0" anchor="ctr"/>
+          <a:lstStyle/>
+          <a:p>
+            <a:pPr algn="ctr"/>
+          </a:p>
+        </p:txBody>
+      </p:sp>
+      <p:sp>
+        <p:nvSpPr>
+          <p:cNvPr id="4" name="TextBox 3"/>
+          <p:cNvSpPr txBox="1"/>
+          <p:nvPr/>
+        </p:nvSpPr>
+        <p:spPr>
+          <a:xfrm>
+            <a:off x="457200" y="228600"/>
+            <a:ext cx="8229600" cy="365760"/>
+          </a:xfrm>
+          <a:prstGeom prst="rect">
+            <a:avLst/>
+          </a:prstGeom>
+          <a:noFill/>
+        </p:spPr>
+        <p:txBody>
+          <a:bodyPr wrap="none">
+            <a:spAutoFit/>
+          </a:bodyPr>
           <a:lstStyle/>
           <a:p>
             <a:pPr>
-              <a:defRPr b="1" sz="3600">
-                <a:solidFill>
-                  <a:srgbClr val="002060"/>
-                </a:solidFill>
-                <a:latin typeface="Arial"/>
-              </a:defRPr>
-            </a:pPr>
-            <a:r>
-              <a:t>Seasonality &amp; Anomalies</a:t>
-            </a:r>
-          </a:p>
-        </p:txBody>
-      </p:sp>
-      <p:sp>
-        <p:nvSpPr>
-          <p:cNvPr id="3" name="Content Placeholder 2"/>
-          <p:cNvSpPr>
-            <a:spLocks noGrp="1"/>
-          </p:cNvSpPr>
-          <p:nvPr>
-            <p:ph idx="1"/>
-          </p:nvPr>
-        </p:nvSpPr>
-        <p:spPr/>
-        <p:txBody>
-          <a:bodyPr/>
-          <a:lstStyle/>
-          <a:p/>
+              <a:defRPr sz="1400" b="1">
+                <a:solidFill>
+                  <a:srgbClr val="FFCC00"/>
+                </a:solidFill>
+                <a:latin typeface="Calibri"/>
+              </a:defRPr>
+            </a:pPr>
+            <a:r>
+              <a:t>TIME-SERIES INSIGHTS</a:t>
+            </a:r>
+          </a:p>
+        </p:txBody>
+      </p:sp>
+      <p:sp>
+        <p:nvSpPr>
+          <p:cNvPr id="5" name="TextBox 4"/>
+          <p:cNvSpPr txBox="1"/>
+          <p:nvPr/>
+        </p:nvSpPr>
+        <p:spPr>
+          <a:xfrm>
+            <a:off x="457200" y="365760"/>
+            <a:ext cx="8229600" cy="640080"/>
+          </a:xfrm>
+          <a:prstGeom prst="rect">
+            <a:avLst/>
+          </a:prstGeom>
+          <a:noFill/>
+        </p:spPr>
+        <p:txBody>
+          <a:bodyPr wrap="none">
+            <a:spAutoFit/>
+          </a:bodyPr>
+          <a:lstStyle/>
+          <a:p>
+            <a:pPr>
+              <a:defRPr sz="3200" b="1">
+                <a:solidFill>
+                  <a:srgbClr val="FFFFFF"/>
+                </a:solidFill>
+                <a:latin typeface="Calibri Light"/>
+              </a:defRPr>
+            </a:pPr>
+            <a:r>
+              <a:t>Key Findings: Seasonality &amp; Anomalies</a:t>
+            </a:r>
+          </a:p>
+        </p:txBody>
+      </p:sp>
+      <p:sp>
+        <p:nvSpPr>
+          <p:cNvPr id="6" name="TextBox 5"/>
+          <p:cNvSpPr txBox="1"/>
+          <p:nvPr/>
+        </p:nvSpPr>
+        <p:spPr>
+          <a:xfrm>
+            <a:off x="457200" y="1280160"/>
+            <a:ext cx="8229600" cy="5029200"/>
+          </a:xfrm>
+          <a:prstGeom prst="rect">
+            <a:avLst/>
+          </a:prstGeom>
+          <a:noFill/>
+        </p:spPr>
+        <p:txBody>
+          <a:bodyPr wrap="square">
+            <a:spAutoFit/>
+          </a:bodyPr>
+          <a:lstStyle/>
           <a:p>
             <a:pPr>
               <a:spcAft>
                 <a:spcPts val="1200"/>
               </a:spcAft>
-              <a:defRPr sz="2000">
+              <a:defRPr sz="1800">
                 <a:solidFill>
                   <a:srgbClr val="404040"/>
                 </a:solidFill>
-                <a:latin typeface="Arial"/>
-              </a:defRPr>
-            </a:pPr>
-            <a:r>
-              <a:t>India Logistics Strike (May): Spoilage spiked to 91%.</a:t>
+                <a:latin typeface="Calibri"/>
+              </a:defRPr>
+            </a:pPr>
+            <a:r>
+              <a:t>• India May Crisis: 91.3% spoilage detected - Successfully identified logistics strike anomaly</a:t>
             </a:r>
           </a:p>
           <a:p>
@@ -4154,15 +5279,15 @@
               <a:spcAft>
                 <a:spcPts val="1200"/>
               </a:spcAft>
-              <a:defRPr sz="2000">
+              <a:defRPr sz="1800">
                 <a:solidFill>
                   <a:srgbClr val="404040"/>
                 </a:solidFill>
-                <a:latin typeface="Arial"/>
-              </a:defRPr>
-            </a:pPr>
-            <a:r>
-              <a:t>Northern Hemisphere Summer: High heat correlation with USA spoilage in July.</a:t>
+                <a:latin typeface="Calibri"/>
+              </a:defRPr>
+            </a:pPr>
+            <a:r>
+              <a:t>• USA Summer Peak: July showed 73.8% spoilage (heatwave effects on storage)</a:t>
             </a:r>
           </a:p>
           <a:p>
@@ -4170,29 +5295,61 @@
               <a:spcAft>
                 <a:spcPts val="1200"/>
               </a:spcAft>
-              <a:defRPr sz="2000">
+              <a:defRPr sz="1800">
                 <a:solidFill>
                   <a:srgbClr val="404040"/>
                 </a:solidFill>
-                <a:latin typeface="Arial"/>
-              </a:defRPr>
-            </a:pPr>
-            <a:r>
-              <a:t>Southern Hemisphere Summer: Increased risk for Brazil in November.</a:t>
-            </a:r>
-          </a:p>
-        </p:txBody>
-      </p:sp>
-      <p:sp>
-        <p:nvSpPr>
-          <p:cNvPr id="4" name="Rectangle 3"/>
+                <a:latin typeface="Calibri"/>
+              </a:defRPr>
+            </a:pPr>
+            <a:r>
+              <a:t>• USA Harvest Window: September-October optimal at 50-52% spoilage</a:t>
+            </a:r>
+          </a:p>
+          <a:p>
+            <a:pPr>
+              <a:spcAft>
+                <a:spcPts val="1200"/>
+              </a:spcAft>
+              <a:defRPr sz="1800">
+                <a:solidFill>
+                  <a:srgbClr val="404040"/>
+                </a:solidFill>
+                <a:latin typeface="Calibri"/>
+              </a:defRPr>
+            </a:pPr>
+            <a:r>
+              <a:t>• Brazil Pattern: November peak (71%) vs. Jan-May optimal (40-51%)</a:t>
+            </a:r>
+          </a:p>
+          <a:p>
+            <a:pPr>
+              <a:spcAft>
+                <a:spcPts val="1200"/>
+              </a:spcAft>
+              <a:defRPr sz="1800">
+                <a:solidFill>
+                  <a:srgbClr val="404040"/>
+                </a:solidFill>
+                <a:latin typeface="Calibri"/>
+              </a:defRPr>
+            </a:pPr>
+            <a:r>
+              <a:t>• Validation: AI proved capable of detecting real-world supply chain disruptions</a:t>
+            </a:r>
+          </a:p>
+        </p:txBody>
+      </p:sp>
+      <p:sp>
+        <p:nvSpPr>
+          <p:cNvPr id="7" name="Rectangle 6"/>
           <p:cNvSpPr/>
           <p:nvPr/>
         </p:nvSpPr>
         <p:spPr>
           <a:xfrm>
-            <a:off x="457200" y="6217920"/>
-            <a:ext cx="8229600" cy="45720"/>
+            <a:off x="457200" y="6309360"/>
+            <a:ext cx="8229600" cy="27432"/>
           </a:xfrm>
           <a:prstGeom prst="rect">
             <a:avLst/>
@@ -4243,62 +5400,191 @@
       <p:grpSpPr/>
       <p:sp>
         <p:nvSpPr>
-          <p:cNvPr id="2" name="Title 1"/>
-          <p:cNvSpPr>
-            <a:spLocks noGrp="1"/>
-          </p:cNvSpPr>
-          <p:nvPr>
-            <p:ph type="title"/>
-          </p:nvPr>
-        </p:nvSpPr>
-        <p:spPr/>
-        <p:txBody>
-          <a:bodyPr/>
+          <p:cNvPr id="2" name="Rectangle 1"/>
+          <p:cNvSpPr/>
+          <p:nvPr/>
+        </p:nvSpPr>
+        <p:spPr>
+          <a:xfrm>
+            <a:off x="0" y="0"/>
+            <a:ext cx="9144000" cy="1005840"/>
+          </a:xfrm>
+          <a:prstGeom prst="rect">
+            <a:avLst/>
+          </a:prstGeom>
+          <a:solidFill>
+            <a:srgbClr val="002060"/>
+          </a:solidFill>
+        </p:spPr>
+        <p:style>
+          <a:lnRef idx="1">
+            <a:schemeClr val="accent1"/>
+          </a:lnRef>
+          <a:fillRef idx="3">
+            <a:schemeClr val="accent1"/>
+          </a:fillRef>
+          <a:effectRef idx="2">
+            <a:schemeClr val="accent1"/>
+          </a:effectRef>
+          <a:fontRef idx="minor">
+            <a:schemeClr val="lt1"/>
+          </a:fontRef>
+        </p:style>
+        <p:txBody>
+          <a:bodyPr rtlCol="0" anchor="ctr"/>
+          <a:lstStyle/>
+          <a:p>
+            <a:pPr algn="ctr"/>
+          </a:p>
+        </p:txBody>
+      </p:sp>
+      <p:sp>
+        <p:nvSpPr>
+          <p:cNvPr id="3" name="Rectangle 2"/>
+          <p:cNvSpPr/>
+          <p:nvPr/>
+        </p:nvSpPr>
+        <p:spPr>
+          <a:xfrm>
+            <a:off x="0" y="1005840"/>
+            <a:ext cx="9144000" cy="45720"/>
+          </a:xfrm>
+          <a:prstGeom prst="rect">
+            <a:avLst/>
+          </a:prstGeom>
+          <a:solidFill>
+            <a:srgbClr val="FFCC00"/>
+          </a:solidFill>
+        </p:spPr>
+        <p:style>
+          <a:lnRef idx="1">
+            <a:schemeClr val="accent1"/>
+          </a:lnRef>
+          <a:fillRef idx="3">
+            <a:schemeClr val="accent1"/>
+          </a:fillRef>
+          <a:effectRef idx="2">
+            <a:schemeClr val="accent1"/>
+          </a:effectRef>
+          <a:fontRef idx="minor">
+            <a:schemeClr val="lt1"/>
+          </a:fontRef>
+        </p:style>
+        <p:txBody>
+          <a:bodyPr rtlCol="0" anchor="ctr"/>
+          <a:lstStyle/>
+          <a:p>
+            <a:pPr algn="ctr"/>
+          </a:p>
+        </p:txBody>
+      </p:sp>
+      <p:sp>
+        <p:nvSpPr>
+          <p:cNvPr id="4" name="TextBox 3"/>
+          <p:cNvSpPr txBox="1"/>
+          <p:nvPr/>
+        </p:nvSpPr>
+        <p:spPr>
+          <a:xfrm>
+            <a:off x="457200" y="228600"/>
+            <a:ext cx="8229600" cy="365760"/>
+          </a:xfrm>
+          <a:prstGeom prst="rect">
+            <a:avLst/>
+          </a:prstGeom>
+          <a:noFill/>
+        </p:spPr>
+        <p:txBody>
+          <a:bodyPr wrap="none">
+            <a:spAutoFit/>
+          </a:bodyPr>
           <a:lstStyle/>
           <a:p>
             <a:pPr>
-              <a:defRPr b="1" sz="3600">
-                <a:solidFill>
-                  <a:srgbClr val="002060"/>
-                </a:solidFill>
-                <a:latin typeface="Arial"/>
-              </a:defRPr>
-            </a:pPr>
-            <a:r>
-              <a:t>Business &amp; Economic Impact</a:t>
-            </a:r>
-          </a:p>
-        </p:txBody>
-      </p:sp>
-      <p:sp>
-        <p:nvSpPr>
-          <p:cNvPr id="3" name="Content Placeholder 2"/>
-          <p:cNvSpPr>
-            <a:spLocks noGrp="1"/>
-          </p:cNvSpPr>
-          <p:nvPr>
-            <p:ph idx="1"/>
-          </p:nvPr>
-        </p:nvSpPr>
-        <p:spPr/>
-        <p:txBody>
-          <a:bodyPr/>
-          <a:lstStyle/>
-          <a:p/>
+              <a:defRPr sz="1400" b="1">
+                <a:solidFill>
+                  <a:srgbClr val="FFCC00"/>
+                </a:solidFill>
+                <a:latin typeface="Calibri"/>
+              </a:defRPr>
+            </a:pPr>
+            <a:r>
+              <a:t>BUSINESS INTELLIGENCE</a:t>
+            </a:r>
+          </a:p>
+        </p:txBody>
+      </p:sp>
+      <p:sp>
+        <p:nvSpPr>
+          <p:cNvPr id="5" name="TextBox 4"/>
+          <p:cNvSpPr txBox="1"/>
+          <p:nvPr/>
+        </p:nvSpPr>
+        <p:spPr>
+          <a:xfrm>
+            <a:off x="457200" y="365760"/>
+            <a:ext cx="8229600" cy="640080"/>
+          </a:xfrm>
+          <a:prstGeom prst="rect">
+            <a:avLst/>
+          </a:prstGeom>
+          <a:noFill/>
+        </p:spPr>
+        <p:txBody>
+          <a:bodyPr wrap="none">
+            <a:spAutoFit/>
+          </a:bodyPr>
+          <a:lstStyle/>
+          <a:p>
+            <a:pPr>
+              <a:defRPr sz="3200" b="1">
+                <a:solidFill>
+                  <a:srgbClr val="FFFFFF"/>
+                </a:solidFill>
+                <a:latin typeface="Calibri Light"/>
+              </a:defRPr>
+            </a:pPr>
+            <a:r>
+              <a:t>Visualizations &amp; Data Insights</a:t>
+            </a:r>
+          </a:p>
+        </p:txBody>
+      </p:sp>
+      <p:sp>
+        <p:nvSpPr>
+          <p:cNvPr id="6" name="TextBox 5"/>
+          <p:cNvSpPr txBox="1"/>
+          <p:nvPr/>
+        </p:nvSpPr>
+        <p:spPr>
+          <a:xfrm>
+            <a:off x="457200" y="1280160"/>
+            <a:ext cx="8229600" cy="5029200"/>
+          </a:xfrm>
+          <a:prstGeom prst="rect">
+            <a:avLst/>
+          </a:prstGeom>
+          <a:noFill/>
+        </p:spPr>
+        <p:txBody>
+          <a:bodyPr wrap="square">
+            <a:spAutoFit/>
+          </a:bodyPr>
+          <a:lstStyle/>
           <a:p>
             <a:pPr>
               <a:spcAft>
                 <a:spcPts val="1200"/>
               </a:spcAft>
-              <a:defRPr sz="2000">
+              <a:defRPr sz="1800">
                 <a:solidFill>
                   <a:srgbClr val="404040"/>
                 </a:solidFill>
-                <a:latin typeface="Arial"/>
-              </a:defRPr>
-            </a:pPr>
-            <a:r>
-              <a:t>Efficiency: 95% reduction in manual auditing time.</a:t>
+                <a:latin typeface="Calibri"/>
+              </a:defRPr>
+            </a:pPr>
+            <a:r>
+              <a:t>• Chart 1: Country Spoilage Comparison - Bar chart showing India &gt; Brazil &gt; USA</a:t>
             </a:r>
           </a:p>
           <a:p>
@@ -4306,15 +5592,15 @@
               <a:spcAft>
                 <a:spcPts val="1200"/>
               </a:spcAft>
-              <a:defRPr sz="2000">
+              <a:defRPr sz="1800">
                 <a:solidFill>
                   <a:srgbClr val="404040"/>
                 </a:solidFill>
-                <a:latin typeface="Arial"/>
-              </a:defRPr>
-            </a:pPr>
-            <a:r>
-              <a:t>Waste Mitigation: Early detection allows for cargo redirection.</a:t>
+                <a:latin typeface="Calibri"/>
+              </a:defRPr>
+            </a:pPr>
+            <a:r>
+              <a:t>• Chart 2: Seasonal Trends by Country - Line chart revealing cyclical patterns</a:t>
             </a:r>
           </a:p>
           <a:p>
@@ -4322,29 +5608,61 @@
               <a:spcAft>
                 <a:spcPts val="1200"/>
               </a:spcAft>
-              <a:defRPr sz="2000">
+              <a:defRPr sz="1800">
                 <a:solidFill>
                   <a:srgbClr val="404040"/>
                 </a:solidFill>
-                <a:latin typeface="Arial"/>
-              </a:defRPr>
-            </a:pPr>
-            <a:r>
-              <a:t>Scalability: Architecture supports additional fruit varieties.</a:t>
-            </a:r>
-          </a:p>
-        </p:txBody>
-      </p:sp>
-      <p:sp>
-        <p:nvSpPr>
-          <p:cNvPr id="4" name="Rectangle 3"/>
+                <a:latin typeface="Calibri"/>
+              </a:defRPr>
+            </a:pPr>
+            <a:r>
+              <a:t>• Chart 3: Fruit-Specific Analysis - Apple, Banana, Orange performance breakdown</a:t>
+            </a:r>
+          </a:p>
+          <a:p>
+            <a:pPr>
+              <a:spcAft>
+                <a:spcPts val="1200"/>
+              </a:spcAft>
+              <a:defRPr sz="1800">
+                <a:solidFill>
+                  <a:srgbClr val="404040"/>
+                </a:solidFill>
+                <a:latin typeface="Calibri"/>
+              </a:defRPr>
+            </a:pPr>
+            <a:r>
+              <a:t>• Chart 4: Confidence Distribution - 96% average prediction confidence</a:t>
+            </a:r>
+          </a:p>
+          <a:p>
+            <a:pPr>
+              <a:spcAft>
+                <a:spcPts val="1200"/>
+              </a:spcAft>
+              <a:defRPr sz="1800">
+                <a:solidFill>
+                  <a:srgbClr val="404040"/>
+                </a:solidFill>
+                <a:latin typeface="Calibri"/>
+              </a:defRPr>
+            </a:pPr>
+            <a:r>
+              <a:t>• Interactive Dashboard: Global_Supply_Chain_Dashboard.html for drill-down analysis</a:t>
+            </a:r>
+          </a:p>
+        </p:txBody>
+      </p:sp>
+      <p:sp>
+        <p:nvSpPr>
+          <p:cNvPr id="7" name="Rectangle 6"/>
           <p:cNvSpPr/>
           <p:nvPr/>
         </p:nvSpPr>
         <p:spPr>
           <a:xfrm>
-            <a:off x="457200" y="6217920"/>
-            <a:ext cx="8229600" cy="45720"/>
+            <a:off x="457200" y="6309360"/>
+            <a:ext cx="8229600" cy="27432"/>
           </a:xfrm>
           <a:prstGeom prst="rect">
             <a:avLst/>
@@ -4395,25 +5713,148 @@
       <p:grpSpPr/>
       <p:sp>
         <p:nvSpPr>
-          <p:cNvPr id="2" name="Title 1"/>
-          <p:cNvSpPr>
-            <a:spLocks noGrp="1"/>
-          </p:cNvSpPr>
-          <p:nvPr>
-            <p:ph type="title"/>
-          </p:nvPr>
-        </p:nvSpPr>
-        <p:spPr/>
-        <p:txBody>
-          <a:bodyPr/>
+          <p:cNvPr id="2" name="Rectangle 1"/>
+          <p:cNvSpPr/>
+          <p:nvPr/>
+        </p:nvSpPr>
+        <p:spPr>
+          <a:xfrm>
+            <a:off x="0" y="0"/>
+            <a:ext cx="9144000" cy="1005840"/>
+          </a:xfrm>
+          <a:prstGeom prst="rect">
+            <a:avLst/>
+          </a:prstGeom>
+          <a:solidFill>
+            <a:srgbClr val="002060"/>
+          </a:solidFill>
+        </p:spPr>
+        <p:style>
+          <a:lnRef idx="1">
+            <a:schemeClr val="accent1"/>
+          </a:lnRef>
+          <a:fillRef idx="3">
+            <a:schemeClr val="accent1"/>
+          </a:fillRef>
+          <a:effectRef idx="2">
+            <a:schemeClr val="accent1"/>
+          </a:effectRef>
+          <a:fontRef idx="minor">
+            <a:schemeClr val="lt1"/>
+          </a:fontRef>
+        </p:style>
+        <p:txBody>
+          <a:bodyPr rtlCol="0" anchor="ctr"/>
+          <a:lstStyle/>
+          <a:p>
+            <a:pPr algn="ctr"/>
+          </a:p>
+        </p:txBody>
+      </p:sp>
+      <p:sp>
+        <p:nvSpPr>
+          <p:cNvPr id="3" name="Rectangle 2"/>
+          <p:cNvSpPr/>
+          <p:nvPr/>
+        </p:nvSpPr>
+        <p:spPr>
+          <a:xfrm>
+            <a:off x="0" y="1005840"/>
+            <a:ext cx="9144000" cy="45720"/>
+          </a:xfrm>
+          <a:prstGeom prst="rect">
+            <a:avLst/>
+          </a:prstGeom>
+          <a:solidFill>
+            <a:srgbClr val="FFCC00"/>
+          </a:solidFill>
+        </p:spPr>
+        <p:style>
+          <a:lnRef idx="1">
+            <a:schemeClr val="accent1"/>
+          </a:lnRef>
+          <a:fillRef idx="3">
+            <a:schemeClr val="accent1"/>
+          </a:fillRef>
+          <a:effectRef idx="2">
+            <a:schemeClr val="accent1"/>
+          </a:effectRef>
+          <a:fontRef idx="minor">
+            <a:schemeClr val="lt1"/>
+          </a:fontRef>
+        </p:style>
+        <p:txBody>
+          <a:bodyPr rtlCol="0" anchor="ctr"/>
+          <a:lstStyle/>
+          <a:p>
+            <a:pPr algn="ctr"/>
+          </a:p>
+        </p:txBody>
+      </p:sp>
+      <p:sp>
+        <p:nvSpPr>
+          <p:cNvPr id="4" name="TextBox 3"/>
+          <p:cNvSpPr txBox="1"/>
+          <p:nvPr/>
+        </p:nvSpPr>
+        <p:spPr>
+          <a:xfrm>
+            <a:off x="457200" y="228600"/>
+            <a:ext cx="8229600" cy="365760"/>
+          </a:xfrm>
+          <a:prstGeom prst="rect">
+            <a:avLst/>
+          </a:prstGeom>
+          <a:noFill/>
+        </p:spPr>
+        <p:txBody>
+          <a:bodyPr wrap="none">
+            <a:spAutoFit/>
+          </a:bodyPr>
           <a:lstStyle/>
           <a:p>
             <a:pPr>
-              <a:defRPr b="1" sz="3600">
-                <a:solidFill>
-                  <a:srgbClr val="002060"/>
-                </a:solidFill>
-                <a:latin typeface="Arial"/>
+              <a:defRPr sz="1400" b="1">
+                <a:solidFill>
+                  <a:srgbClr val="FFCC00"/>
+                </a:solidFill>
+                <a:latin typeface="Calibri"/>
+              </a:defRPr>
+            </a:pPr>
+            <a:r>
+              <a:t>ACTIONABLE INSIGHTS</a:t>
+            </a:r>
+          </a:p>
+        </p:txBody>
+      </p:sp>
+      <p:sp>
+        <p:nvSpPr>
+          <p:cNvPr id="5" name="TextBox 4"/>
+          <p:cNvSpPr txBox="1"/>
+          <p:nvPr/>
+        </p:nvSpPr>
+        <p:spPr>
+          <a:xfrm>
+            <a:off x="457200" y="365760"/>
+            <a:ext cx="8229600" cy="640080"/>
+          </a:xfrm>
+          <a:prstGeom prst="rect">
+            <a:avLst/>
+          </a:prstGeom>
+          <a:noFill/>
+        </p:spPr>
+        <p:txBody>
+          <a:bodyPr wrap="none">
+            <a:spAutoFit/>
+          </a:bodyPr>
+          <a:lstStyle/>
+          <a:p>
+            <a:pPr>
+              <a:defRPr sz="3200" b="1">
+                <a:solidFill>
+                  <a:srgbClr val="FFFFFF"/>
+                </a:solidFill>
+                <a:latin typeface="Calibri Light"/>
               </a:defRPr>
             </a:pPr>
             <a:r>
@@ -4424,33 +5865,39 @@
       </p:sp>
       <p:sp>
         <p:nvSpPr>
-          <p:cNvPr id="3" name="Content Placeholder 2"/>
-          <p:cNvSpPr>
-            <a:spLocks noGrp="1"/>
-          </p:cNvSpPr>
-          <p:nvPr>
-            <p:ph idx="1"/>
-          </p:nvPr>
-        </p:nvSpPr>
-        <p:spPr/>
-        <p:txBody>
-          <a:bodyPr/>
-          <a:lstStyle/>
-          <a:p/>
+          <p:cNvPr id="6" name="TextBox 5"/>
+          <p:cNvSpPr txBox="1"/>
+          <p:nvPr/>
+        </p:nvSpPr>
+        <p:spPr>
+          <a:xfrm>
+            <a:off x="457200" y="1280160"/>
+            <a:ext cx="8229600" cy="5029200"/>
+          </a:xfrm>
+          <a:prstGeom prst="rect">
+            <a:avLst/>
+          </a:prstGeom>
+          <a:noFill/>
+        </p:spPr>
+        <p:txBody>
+          <a:bodyPr wrap="square">
+            <a:spAutoFit/>
+          </a:bodyPr>
+          <a:lstStyle/>
           <a:p>
             <a:pPr>
               <a:spcAft>
                 <a:spcPts val="1200"/>
               </a:spcAft>
-              <a:defRPr sz="2000">
+              <a:defRPr sz="1800">
                 <a:solidFill>
                   <a:srgbClr val="404040"/>
                 </a:solidFill>
-                <a:latin typeface="Arial"/>
-              </a:defRPr>
-            </a:pPr>
-            <a:r>
-              <a:t>Direct investment in cold-chain infrastructure for the Indian corridor.</a:t>
+                <a:latin typeface="Calibri"/>
+              </a:defRPr>
+            </a:pPr>
+            <a:r>
+              <a:t>• Deploy AI Inspector at major ports for real-time quality monitoring (95% time reduction)</a:t>
             </a:r>
           </a:p>
           <a:p>
@@ -4458,15 +5905,15 @@
               <a:spcAft>
                 <a:spcPts val="1200"/>
               </a:spcAft>
-              <a:defRPr sz="2000">
+              <a:defRPr sz="1800">
                 <a:solidFill>
                   <a:srgbClr val="404040"/>
                 </a:solidFill>
-                <a:latin typeface="Arial"/>
-              </a:defRPr>
-            </a:pPr>
-            <a:r>
-              <a:t>Shift procurement strategy to USA during Brazilian peak-heat windows.</a:t>
+                <a:latin typeface="Calibri"/>
+              </a:defRPr>
+            </a:pPr>
+            <a:r>
+              <a:t>• Prioritize cold-chain infrastructure investment for India corridor (Target: 60.7% → &lt;55%)</a:t>
             </a:r>
           </a:p>
           <a:p>
@@ -4474,29 +5921,61 @@
               <a:spcAft>
                 <a:spcPts val="1200"/>
               </a:spcAft>
-              <a:defRPr sz="2000">
+              <a:defRPr sz="1800">
                 <a:solidFill>
                   <a:srgbClr val="404040"/>
                 </a:solidFill>
-                <a:latin typeface="Arial"/>
-              </a:defRPr>
-            </a:pPr>
-            <a:r>
-              <a:t>Integrate AI Inspector into existing ERP systems for real-time visibility.</a:t>
-            </a:r>
-          </a:p>
-        </p:txBody>
-      </p:sp>
-      <p:sp>
-        <p:nvSpPr>
-          <p:cNvPr id="4" name="Rectangle 3"/>
+                <a:latin typeface="Calibri"/>
+              </a:defRPr>
+            </a:pPr>
+            <a:r>
+              <a:t>• Implement dynamic routing: Avoid Indian bananas in May, reduce USA imports in July</a:t>
+            </a:r>
+          </a:p>
+          <a:p>
+            <a:pPr>
+              <a:spcAft>
+                <a:spcPts val="1200"/>
+              </a:spcAft>
+              <a:defRPr sz="1800">
+                <a:solidFill>
+                  <a:srgbClr val="404040"/>
+                </a:solidFill>
+                <a:latin typeface="Calibri"/>
+              </a:defRPr>
+            </a:pPr>
+            <a:r>
+              <a:t>• Establish early warning system for spoilage &gt;75% threshold</a:t>
+            </a:r>
+          </a:p>
+          <a:p>
+            <a:pPr>
+              <a:spcAft>
+                <a:spcPts val="1200"/>
+              </a:spcAft>
+              <a:defRPr sz="1800">
+                <a:solidFill>
+                  <a:srgbClr val="404040"/>
+                </a:solidFill>
+                <a:latin typeface="Calibri"/>
+              </a:defRPr>
+            </a:pPr>
+            <a:r>
+              <a:t>• Expected ROI: $1M infrastructure investment → $3M annual savings on India corridor</a:t>
+            </a:r>
+          </a:p>
+        </p:txBody>
+      </p:sp>
+      <p:sp>
+        <p:nvSpPr>
+          <p:cNvPr id="7" name="Rectangle 6"/>
           <p:cNvSpPr/>
           <p:nvPr/>
         </p:nvSpPr>
         <p:spPr>
           <a:xfrm>
-            <a:off x="457200" y="6217920"/>
-            <a:ext cx="8229600" cy="45720"/>
+            <a:off x="457200" y="6309360"/>
+            <a:ext cx="8229600" cy="27432"/>
           </a:xfrm>
           <a:prstGeom prst="rect">
             <a:avLst/>
